--- a/Outlaw/Standards Gives Me a Bad Feeling.pptx
+++ b/Outlaw/Standards Gives Me a Bad Feeling.pptx
@@ -335,7 +335,7 @@
               <a:pPr>
                 <a:defRPr/>
               </a:pPr>
-              <a:t>9/25/19</a:t>
+              <a:t>30.09.2019</a:t>
             </a:fld>
             <a:endParaRPr lang="en-US"/>
           </a:p>
@@ -4232,7 +4232,7 @@
           <p:nvPr>
             <p:extLst>
               <p:ext uri="{D42A27DB-BD31-4B8C-83A1-F6EECF244321}">
-                <p14:modId xmlns:p14="http://schemas.microsoft.com/office/powerpoint/2010/main" val="1934503592"/>
+                <p14:modId xmlns:p14="http://schemas.microsoft.com/office/powerpoint/2010/main" val="3127448598"/>
               </p:ext>
             </p:extLst>
           </p:nvPr>
@@ -5017,7 +5017,22 @@
                           <a:ea typeface="ＭＳ Ｐゴシック" pitchFamily="-112" charset="-128"/>
                           <a:cs typeface="Times New Roman" pitchFamily="-112" charset="0"/>
                         </a:rPr>
-                        <a:t>START-STOP:          Audible - Last shot</a:t>
+                        <a:t>START-STOP:          Audible - </a:t>
+                      </a:r>
+                      <a:r>
+                        <a:rPr kumimoji="0" lang="en-US" sz="1100" b="1" i="0" u="none" strike="noStrike" cap="none" normalizeH="0" baseline="0">
+                          <a:ln>
+                            <a:noFill/>
+                          </a:ln>
+                          <a:solidFill>
+                            <a:schemeClr val="tx1"/>
+                          </a:solidFill>
+                          <a:effectLst/>
+                          <a:latin typeface="Arial" charset="0"/>
+                          <a:ea typeface="ＭＳ Ｐゴシック" pitchFamily="-112" charset="-128"/>
+                          <a:cs typeface="Times New Roman" pitchFamily="-112" charset="0"/>
+                        </a:rPr>
+                        <a:t>Last shot</a:t>
                       </a:r>
                     </a:p>
                     <a:p>
@@ -5038,7 +5053,7 @@
                         <a:tabLst/>
                       </a:pPr>
                       <a:r>
-                        <a:rPr kumimoji="0" lang="en-US" sz="1100" b="1" i="0" u="none" strike="noStrike" cap="none" normalizeH="0" baseline="0" dirty="0">
+                        <a:rPr kumimoji="0" lang="en-US" sz="1100" b="1" i="0" u="none" strike="noStrike" cap="none" normalizeH="0" baseline="0">
                           <a:ln>
                             <a:noFill/>
                           </a:ln>
@@ -5050,26 +5065,8 @@
                           <a:ea typeface="ＭＳ Ｐゴシック" pitchFamily="-112" charset="-128"/>
                           <a:cs typeface="Times New Roman" pitchFamily="-112" charset="0"/>
                         </a:rPr>
-                        <a:t>CONCEALMENT:     Required</a:t>
+                        <a:t>Muzzle </a:t>
                       </a:r>
-                    </a:p>
-                    <a:p>
-                      <a:pPr marL="0" marR="0" lvl="0" indent="0" algn="l" defTabSz="966788" rtl="0" eaLnBrk="0" fontAlgn="base" latinLnBrk="0" hangingPunct="0">
-                        <a:lnSpc>
-                          <a:spcPct val="100000"/>
-                        </a:lnSpc>
-                        <a:spcBef>
-                          <a:spcPct val="0"/>
-                        </a:spcBef>
-                        <a:spcAft>
-                          <a:spcPct val="0"/>
-                        </a:spcAft>
-                        <a:buClrTx/>
-                        <a:buSzTx/>
-                        <a:buFontTx/>
-                        <a:buNone/>
-                        <a:tabLst/>
-                      </a:pPr>
                       <a:r>
                         <a:rPr kumimoji="0" lang="en-US" sz="1100" b="1" i="0" u="none" strike="noStrike" cap="none" normalizeH="0" baseline="0" dirty="0">
                           <a:ln>
@@ -5083,7 +5080,7 @@
                           <a:ea typeface="ＭＳ Ｐゴシック" pitchFamily="-112" charset="-128"/>
                           <a:cs typeface="Times New Roman" pitchFamily="-112" charset="0"/>
                         </a:rPr>
-                        <a:t>Muzzle Safe Points: 180 degree rule</a:t>
+                        <a:t>Safe Points: 180 degree rule</a:t>
                       </a:r>
                     </a:p>
                   </a:txBody>

--- a/Outlaw/Standards Gives Me a Bad Feeling.pptx
+++ b/Outlaw/Standards Gives Me a Bad Feeling.pptx
@@ -5992,1608 +5992,6 @@
       </p:grpSp>
       <p:grpSp>
         <p:nvGrpSpPr>
-          <p:cNvPr id="51" name="Group 50">
-            <a:extLst>
-              <a:ext uri="{FF2B5EF4-FFF2-40B4-BE49-F238E27FC236}">
-                <a16:creationId xmlns:a16="http://schemas.microsoft.com/office/drawing/2014/main" id="{6F46DB86-C0CE-D04D-8F40-62B9A0B1965E}"/>
-              </a:ext>
-            </a:extLst>
-          </p:cNvPr>
-          <p:cNvGrpSpPr/>
-          <p:nvPr/>
-        </p:nvGrpSpPr>
-        <p:grpSpPr>
-          <a:xfrm>
-            <a:off x="2024532" y="3828323"/>
-            <a:ext cx="290513" cy="787400"/>
-            <a:chOff x="9296400" y="3392569"/>
-            <a:chExt cx="290513" cy="787400"/>
-          </a:xfrm>
-        </p:grpSpPr>
-        <p:grpSp>
-          <p:nvGrpSpPr>
-            <p:cNvPr id="52" name="Group 33">
-              <a:extLst>
-                <a:ext uri="{FF2B5EF4-FFF2-40B4-BE49-F238E27FC236}">
-                  <a16:creationId xmlns:a16="http://schemas.microsoft.com/office/drawing/2014/main" id="{AD86B705-3663-4B4F-A296-41F823BB17AF}"/>
-                </a:ext>
-              </a:extLst>
-            </p:cNvPr>
-            <p:cNvGrpSpPr>
-              <a:grpSpLocks/>
-            </p:cNvGrpSpPr>
-            <p:nvPr/>
-          </p:nvGrpSpPr>
-          <p:grpSpPr bwMode="auto">
-            <a:xfrm>
-              <a:off x="9296400" y="3392569"/>
-              <a:ext cx="290513" cy="787400"/>
-              <a:chOff x="2244" y="2118"/>
-              <a:chExt cx="181" cy="499"/>
-            </a:xfrm>
-          </p:grpSpPr>
-          <p:sp>
-            <p:nvSpPr>
-              <p:cNvPr id="55" name="Line 34">
-                <a:extLst>
-                  <a:ext uri="{FF2B5EF4-FFF2-40B4-BE49-F238E27FC236}">
-                    <a16:creationId xmlns:a16="http://schemas.microsoft.com/office/drawing/2014/main" id="{DB704550-3CA6-A14E-A5F9-EC0D680A5440}"/>
-                  </a:ext>
-                </a:extLst>
-              </p:cNvPr>
-              <p:cNvSpPr>
-                <a:spLocks noChangeShapeType="1"/>
-              </p:cNvSpPr>
-              <p:nvPr/>
-            </p:nvSpPr>
-            <p:spPr bwMode="auto">
-              <a:xfrm>
-                <a:off x="2251" y="2363"/>
-                <a:ext cx="0" cy="254"/>
-              </a:xfrm>
-              <a:prstGeom prst="line">
-                <a:avLst/>
-              </a:prstGeom>
-              <a:noFill/>
-              <a:ln w="28575">
-                <a:solidFill>
-                  <a:schemeClr val="tx1"/>
-                </a:solidFill>
-                <a:round/>
-                <a:headEnd/>
-                <a:tailEnd/>
-              </a:ln>
-              <a:extLst>
-                <a:ext uri="{909E8E84-426E-40DD-AFC4-6F175D3DCCD1}">
-                  <a14:hiddenFill xmlns:a14="http://schemas.microsoft.com/office/drawing/2010/main">
-                    <a:noFill/>
-                  </a14:hiddenFill>
-                </a:ext>
-              </a:extLst>
-            </p:spPr>
-            <p:txBody>
-              <a:bodyPr wrap="none" anchor="ctr"/>
-              <a:lstStyle/>
-              <a:p>
-                <a:endParaRPr lang="en-US"/>
-              </a:p>
-            </p:txBody>
-          </p:sp>
-          <p:sp>
-            <p:nvSpPr>
-              <p:cNvPr id="56" name="Line 35">
-                <a:extLst>
-                  <a:ext uri="{FF2B5EF4-FFF2-40B4-BE49-F238E27FC236}">
-                    <a16:creationId xmlns:a16="http://schemas.microsoft.com/office/drawing/2014/main" id="{7F04C71F-1A28-904E-AEA7-0666E03B1B18}"/>
-                  </a:ext>
-                </a:extLst>
-              </p:cNvPr>
-              <p:cNvSpPr>
-                <a:spLocks noChangeShapeType="1"/>
-              </p:cNvSpPr>
-              <p:nvPr/>
-            </p:nvSpPr>
-            <p:spPr bwMode="auto">
-              <a:xfrm>
-                <a:off x="2420" y="2363"/>
-                <a:ext cx="0" cy="254"/>
-              </a:xfrm>
-              <a:prstGeom prst="line">
-                <a:avLst/>
-              </a:prstGeom>
-              <a:noFill/>
-              <a:ln w="28575">
-                <a:solidFill>
-                  <a:schemeClr val="tx1"/>
-                </a:solidFill>
-                <a:round/>
-                <a:headEnd/>
-                <a:tailEnd/>
-              </a:ln>
-              <a:extLst>
-                <a:ext uri="{909E8E84-426E-40DD-AFC4-6F175D3DCCD1}">
-                  <a14:hiddenFill xmlns:a14="http://schemas.microsoft.com/office/drawing/2010/main">
-                    <a:noFill/>
-                  </a14:hiddenFill>
-                </a:ext>
-              </a:extLst>
-            </p:spPr>
-            <p:txBody>
-              <a:bodyPr wrap="none" anchor="ctr"/>
-              <a:lstStyle/>
-              <a:p>
-                <a:endParaRPr lang="en-US"/>
-              </a:p>
-            </p:txBody>
-          </p:sp>
-          <p:sp>
-            <p:nvSpPr>
-              <p:cNvPr id="57" name="Freeform 36">
-                <a:extLst>
-                  <a:ext uri="{FF2B5EF4-FFF2-40B4-BE49-F238E27FC236}">
-                    <a16:creationId xmlns:a16="http://schemas.microsoft.com/office/drawing/2014/main" id="{48F8ECF3-50C5-F747-BE1A-71C1B0D51575}"/>
-                  </a:ext>
-                </a:extLst>
-              </p:cNvPr>
-              <p:cNvSpPr>
-                <a:spLocks/>
-              </p:cNvSpPr>
-              <p:nvPr/>
-            </p:nvSpPr>
-            <p:spPr bwMode="auto">
-              <a:xfrm>
-                <a:off x="2244" y="2118"/>
-                <a:ext cx="181" cy="333"/>
-              </a:xfrm>
-              <a:custGeom>
-                <a:avLst/>
-                <a:gdLst>
-                  <a:gd name="T0" fmla="*/ 1 w 277"/>
-                  <a:gd name="T1" fmla="*/ 0 h 517"/>
-                  <a:gd name="T2" fmla="*/ 1 w 277"/>
-                  <a:gd name="T3" fmla="*/ 0 h 517"/>
-                  <a:gd name="T4" fmla="*/ 1 w 277"/>
-                  <a:gd name="T5" fmla="*/ 1 h 517"/>
-                  <a:gd name="T6" fmla="*/ 1 w 277"/>
-                  <a:gd name="T7" fmla="*/ 1 h 517"/>
-                  <a:gd name="T8" fmla="*/ 1 w 277"/>
-                  <a:gd name="T9" fmla="*/ 1 h 517"/>
-                  <a:gd name="T10" fmla="*/ 1 w 277"/>
-                  <a:gd name="T11" fmla="*/ 1 h 517"/>
-                  <a:gd name="T12" fmla="*/ 1 w 277"/>
-                  <a:gd name="T13" fmla="*/ 1 h 517"/>
-                  <a:gd name="T14" fmla="*/ 1 w 277"/>
-                  <a:gd name="T15" fmla="*/ 1 h 517"/>
-                  <a:gd name="T16" fmla="*/ 0 w 277"/>
-                  <a:gd name="T17" fmla="*/ 1 h 517"/>
-                  <a:gd name="T18" fmla="*/ 0 w 277"/>
-                  <a:gd name="T19" fmla="*/ 1 h 517"/>
-                  <a:gd name="T20" fmla="*/ 1 w 277"/>
-                  <a:gd name="T21" fmla="*/ 1 h 517"/>
-                  <a:gd name="T22" fmla="*/ 1 w 277"/>
-                  <a:gd name="T23" fmla="*/ 1 h 517"/>
-                  <a:gd name="T24" fmla="*/ 1 w 277"/>
-                  <a:gd name="T25" fmla="*/ 0 h 517"/>
-                  <a:gd name="T26" fmla="*/ 0 60000 65536"/>
-                  <a:gd name="T27" fmla="*/ 0 60000 65536"/>
-                  <a:gd name="T28" fmla="*/ 0 60000 65536"/>
-                  <a:gd name="T29" fmla="*/ 0 60000 65536"/>
-                  <a:gd name="T30" fmla="*/ 0 60000 65536"/>
-                  <a:gd name="T31" fmla="*/ 0 60000 65536"/>
-                  <a:gd name="T32" fmla="*/ 0 60000 65536"/>
-                  <a:gd name="T33" fmla="*/ 0 60000 65536"/>
-                  <a:gd name="T34" fmla="*/ 0 60000 65536"/>
-                  <a:gd name="T35" fmla="*/ 0 60000 65536"/>
-                  <a:gd name="T36" fmla="*/ 0 60000 65536"/>
-                  <a:gd name="T37" fmla="*/ 0 60000 65536"/>
-                  <a:gd name="T38" fmla="*/ 0 60000 65536"/>
-                  <a:gd name="T39" fmla="*/ 0 w 277"/>
-                  <a:gd name="T40" fmla="*/ 0 h 517"/>
-                  <a:gd name="T41" fmla="*/ 277 w 277"/>
-                  <a:gd name="T42" fmla="*/ 517 h 517"/>
-                </a:gdLst>
-                <a:ahLst/>
-                <a:cxnLst>
-                  <a:cxn ang="T26">
-                    <a:pos x="T0" y="T1"/>
-                  </a:cxn>
-                  <a:cxn ang="T27">
-                    <a:pos x="T2" y="T3"/>
-                  </a:cxn>
-                  <a:cxn ang="T28">
-                    <a:pos x="T4" y="T5"/>
-                  </a:cxn>
-                  <a:cxn ang="T29">
-                    <a:pos x="T6" y="T7"/>
-                  </a:cxn>
-                  <a:cxn ang="T30">
-                    <a:pos x="T8" y="T9"/>
-                  </a:cxn>
-                  <a:cxn ang="T31">
-                    <a:pos x="T10" y="T11"/>
-                  </a:cxn>
-                  <a:cxn ang="T32">
-                    <a:pos x="T12" y="T13"/>
-                  </a:cxn>
-                  <a:cxn ang="T33">
-                    <a:pos x="T14" y="T15"/>
-                  </a:cxn>
-                  <a:cxn ang="T34">
-                    <a:pos x="T16" y="T17"/>
-                  </a:cxn>
-                  <a:cxn ang="T35">
-                    <a:pos x="T18" y="T19"/>
-                  </a:cxn>
-                  <a:cxn ang="T36">
-                    <a:pos x="T20" y="T21"/>
-                  </a:cxn>
-                  <a:cxn ang="T37">
-                    <a:pos x="T22" y="T23"/>
-                  </a:cxn>
-                  <a:cxn ang="T38">
-                    <a:pos x="T24" y="T25"/>
-                  </a:cxn>
-                </a:cxnLst>
-                <a:rect l="T39" t="T40" r="T41" b="T42"/>
-                <a:pathLst>
-                  <a:path w="277" h="517">
-                    <a:moveTo>
-                      <a:pt x="89" y="0"/>
-                    </a:moveTo>
-                    <a:lnTo>
-                      <a:pt x="191" y="0"/>
-                    </a:lnTo>
-                    <a:lnTo>
-                      <a:pt x="191" y="105"/>
-                    </a:lnTo>
-                    <a:lnTo>
-                      <a:pt x="225" y="105"/>
-                    </a:lnTo>
-                    <a:lnTo>
-                      <a:pt x="276" y="139"/>
-                    </a:lnTo>
-                    <a:lnTo>
-                      <a:pt x="276" y="415"/>
-                    </a:lnTo>
-                    <a:lnTo>
-                      <a:pt x="225" y="516"/>
-                    </a:lnTo>
-                    <a:lnTo>
-                      <a:pt x="51" y="516"/>
-                    </a:lnTo>
-                    <a:lnTo>
-                      <a:pt x="0" y="415"/>
-                    </a:lnTo>
-                    <a:lnTo>
-                      <a:pt x="0" y="139"/>
-                    </a:lnTo>
-                    <a:lnTo>
-                      <a:pt x="51" y="105"/>
-                    </a:lnTo>
-                    <a:lnTo>
-                      <a:pt x="89" y="105"/>
-                    </a:lnTo>
-                    <a:lnTo>
-                      <a:pt x="89" y="0"/>
-                    </a:lnTo>
-                  </a:path>
-                </a:pathLst>
-              </a:custGeom>
-              <a:solidFill>
-                <a:schemeClr val="bg1"/>
-              </a:solidFill>
-              <a:ln w="12700" cap="rnd">
-                <a:solidFill>
-                  <a:schemeClr val="tx1"/>
-                </a:solidFill>
-                <a:round/>
-                <a:headEnd/>
-                <a:tailEnd/>
-              </a:ln>
-            </p:spPr>
-            <p:txBody>
-              <a:bodyPr/>
-              <a:lstStyle/>
-              <a:p>
-                <a:endParaRPr lang="en-US"/>
-              </a:p>
-            </p:txBody>
-          </p:sp>
-        </p:grpSp>
-        <p:sp>
-          <p:nvSpPr>
-            <p:cNvPr id="53" name="Freeform 32">
-              <a:extLst>
-                <a:ext uri="{FF2B5EF4-FFF2-40B4-BE49-F238E27FC236}">
-                  <a16:creationId xmlns:a16="http://schemas.microsoft.com/office/drawing/2014/main" id="{85ECD040-5D28-6042-8CD0-BA496FB8B52C}"/>
-                </a:ext>
-              </a:extLst>
-            </p:cNvPr>
-            <p:cNvSpPr>
-              <a:spLocks/>
-            </p:cNvSpPr>
-            <p:nvPr/>
-          </p:nvSpPr>
-          <p:spPr bwMode="auto">
-            <a:xfrm rot="3215190">
-              <a:off x="9349267" y="3489031"/>
-              <a:ext cx="123343" cy="193674"/>
-            </a:xfrm>
-            <a:custGeom>
-              <a:avLst/>
-              <a:gdLst>
-                <a:gd name="T0" fmla="*/ 1 w 277"/>
-                <a:gd name="T1" fmla="*/ 0 h 517"/>
-                <a:gd name="T2" fmla="*/ 1 w 277"/>
-                <a:gd name="T3" fmla="*/ 0 h 517"/>
-                <a:gd name="T4" fmla="*/ 1 w 277"/>
-                <a:gd name="T5" fmla="*/ 1 h 517"/>
-                <a:gd name="T6" fmla="*/ 1 w 277"/>
-                <a:gd name="T7" fmla="*/ 1 h 517"/>
-                <a:gd name="T8" fmla="*/ 1 w 277"/>
-                <a:gd name="T9" fmla="*/ 1 h 517"/>
-                <a:gd name="T10" fmla="*/ 1 w 277"/>
-                <a:gd name="T11" fmla="*/ 1 h 517"/>
-                <a:gd name="T12" fmla="*/ 1 w 277"/>
-                <a:gd name="T13" fmla="*/ 1 h 517"/>
-                <a:gd name="T14" fmla="*/ 1 w 277"/>
-                <a:gd name="T15" fmla="*/ 1 h 517"/>
-                <a:gd name="T16" fmla="*/ 0 w 277"/>
-                <a:gd name="T17" fmla="*/ 1 h 517"/>
-                <a:gd name="T18" fmla="*/ 0 w 277"/>
-                <a:gd name="T19" fmla="*/ 1 h 517"/>
-                <a:gd name="T20" fmla="*/ 1 w 277"/>
-                <a:gd name="T21" fmla="*/ 1 h 517"/>
-                <a:gd name="T22" fmla="*/ 1 w 277"/>
-                <a:gd name="T23" fmla="*/ 1 h 517"/>
-                <a:gd name="T24" fmla="*/ 1 w 277"/>
-                <a:gd name="T25" fmla="*/ 0 h 517"/>
-                <a:gd name="T26" fmla="*/ 0 60000 65536"/>
-                <a:gd name="T27" fmla="*/ 0 60000 65536"/>
-                <a:gd name="T28" fmla="*/ 0 60000 65536"/>
-                <a:gd name="T29" fmla="*/ 0 60000 65536"/>
-                <a:gd name="T30" fmla="*/ 0 60000 65536"/>
-                <a:gd name="T31" fmla="*/ 0 60000 65536"/>
-                <a:gd name="T32" fmla="*/ 0 60000 65536"/>
-                <a:gd name="T33" fmla="*/ 0 60000 65536"/>
-                <a:gd name="T34" fmla="*/ 0 60000 65536"/>
-                <a:gd name="T35" fmla="*/ 0 60000 65536"/>
-                <a:gd name="T36" fmla="*/ 0 60000 65536"/>
-                <a:gd name="T37" fmla="*/ 0 60000 65536"/>
-                <a:gd name="T38" fmla="*/ 0 60000 65536"/>
-                <a:gd name="T39" fmla="*/ 0 w 277"/>
-                <a:gd name="T40" fmla="*/ 0 h 517"/>
-                <a:gd name="T41" fmla="*/ 277 w 277"/>
-                <a:gd name="T42" fmla="*/ 517 h 517"/>
-              </a:gdLst>
-              <a:ahLst/>
-              <a:cxnLst>
-                <a:cxn ang="T26">
-                  <a:pos x="T0" y="T1"/>
-                </a:cxn>
-                <a:cxn ang="T27">
-                  <a:pos x="T2" y="T3"/>
-                </a:cxn>
-                <a:cxn ang="T28">
-                  <a:pos x="T4" y="T5"/>
-                </a:cxn>
-                <a:cxn ang="T29">
-                  <a:pos x="T6" y="T7"/>
-                </a:cxn>
-                <a:cxn ang="T30">
-                  <a:pos x="T8" y="T9"/>
-                </a:cxn>
-                <a:cxn ang="T31">
-                  <a:pos x="T10" y="T11"/>
-                </a:cxn>
-                <a:cxn ang="T32">
-                  <a:pos x="T12" y="T13"/>
-                </a:cxn>
-                <a:cxn ang="T33">
-                  <a:pos x="T14" y="T15"/>
-                </a:cxn>
-                <a:cxn ang="T34">
-                  <a:pos x="T16" y="T17"/>
-                </a:cxn>
-                <a:cxn ang="T35">
-                  <a:pos x="T18" y="T19"/>
-                </a:cxn>
-                <a:cxn ang="T36">
-                  <a:pos x="T20" y="T21"/>
-                </a:cxn>
-                <a:cxn ang="T37">
-                  <a:pos x="T22" y="T23"/>
-                </a:cxn>
-                <a:cxn ang="T38">
-                  <a:pos x="T24" y="T25"/>
-                </a:cxn>
-              </a:cxnLst>
-              <a:rect l="T39" t="T40" r="T41" b="T42"/>
-              <a:pathLst>
-                <a:path w="277" h="517">
-                  <a:moveTo>
-                    <a:pt x="89" y="0"/>
-                  </a:moveTo>
-                  <a:lnTo>
-                    <a:pt x="191" y="0"/>
-                  </a:lnTo>
-                  <a:lnTo>
-                    <a:pt x="191" y="105"/>
-                  </a:lnTo>
-                  <a:lnTo>
-                    <a:pt x="225" y="105"/>
-                  </a:lnTo>
-                  <a:lnTo>
-                    <a:pt x="276" y="139"/>
-                  </a:lnTo>
-                  <a:lnTo>
-                    <a:pt x="276" y="415"/>
-                  </a:lnTo>
-                  <a:lnTo>
-                    <a:pt x="225" y="516"/>
-                  </a:lnTo>
-                  <a:lnTo>
-                    <a:pt x="51" y="516"/>
-                  </a:lnTo>
-                  <a:lnTo>
-                    <a:pt x="0" y="415"/>
-                  </a:lnTo>
-                  <a:lnTo>
-                    <a:pt x="0" y="139"/>
-                  </a:lnTo>
-                  <a:lnTo>
-                    <a:pt x="51" y="105"/>
-                  </a:lnTo>
-                  <a:lnTo>
-                    <a:pt x="89" y="105"/>
-                  </a:lnTo>
-                  <a:lnTo>
-                    <a:pt x="89" y="0"/>
-                  </a:lnTo>
-                </a:path>
-              </a:pathLst>
-            </a:custGeom>
-            <a:solidFill>
-              <a:srgbClr val="FFCC99"/>
-            </a:solidFill>
-            <a:ln w="12700" cap="rnd">
-              <a:solidFill>
-                <a:schemeClr val="tx1"/>
-              </a:solidFill>
-              <a:round/>
-              <a:headEnd/>
-              <a:tailEnd/>
-            </a:ln>
-          </p:spPr>
-          <p:txBody>
-            <a:bodyPr/>
-            <a:lstStyle/>
-            <a:p>
-              <a:endParaRPr lang="en-US"/>
-            </a:p>
-          </p:txBody>
-        </p:sp>
-        <p:sp>
-          <p:nvSpPr>
-            <p:cNvPr id="54" name="Freeform 32">
-              <a:extLst>
-                <a:ext uri="{FF2B5EF4-FFF2-40B4-BE49-F238E27FC236}">
-                  <a16:creationId xmlns:a16="http://schemas.microsoft.com/office/drawing/2014/main" id="{D501A726-D7A8-784F-AC8D-A6AA1506F8C1}"/>
-                </a:ext>
-              </a:extLst>
-            </p:cNvPr>
-            <p:cNvSpPr>
-              <a:spLocks/>
-            </p:cNvSpPr>
-            <p:nvPr/>
-          </p:nvSpPr>
-          <p:spPr bwMode="auto">
-            <a:xfrm rot="19003436">
-              <a:off x="9377089" y="3700673"/>
-              <a:ext cx="123343" cy="193674"/>
-            </a:xfrm>
-            <a:custGeom>
-              <a:avLst/>
-              <a:gdLst>
-                <a:gd name="T0" fmla="*/ 1 w 277"/>
-                <a:gd name="T1" fmla="*/ 0 h 517"/>
-                <a:gd name="T2" fmla="*/ 1 w 277"/>
-                <a:gd name="T3" fmla="*/ 0 h 517"/>
-                <a:gd name="T4" fmla="*/ 1 w 277"/>
-                <a:gd name="T5" fmla="*/ 1 h 517"/>
-                <a:gd name="T6" fmla="*/ 1 w 277"/>
-                <a:gd name="T7" fmla="*/ 1 h 517"/>
-                <a:gd name="T8" fmla="*/ 1 w 277"/>
-                <a:gd name="T9" fmla="*/ 1 h 517"/>
-                <a:gd name="T10" fmla="*/ 1 w 277"/>
-                <a:gd name="T11" fmla="*/ 1 h 517"/>
-                <a:gd name="T12" fmla="*/ 1 w 277"/>
-                <a:gd name="T13" fmla="*/ 1 h 517"/>
-                <a:gd name="T14" fmla="*/ 1 w 277"/>
-                <a:gd name="T15" fmla="*/ 1 h 517"/>
-                <a:gd name="T16" fmla="*/ 0 w 277"/>
-                <a:gd name="T17" fmla="*/ 1 h 517"/>
-                <a:gd name="T18" fmla="*/ 0 w 277"/>
-                <a:gd name="T19" fmla="*/ 1 h 517"/>
-                <a:gd name="T20" fmla="*/ 1 w 277"/>
-                <a:gd name="T21" fmla="*/ 1 h 517"/>
-                <a:gd name="T22" fmla="*/ 1 w 277"/>
-                <a:gd name="T23" fmla="*/ 1 h 517"/>
-                <a:gd name="T24" fmla="*/ 1 w 277"/>
-                <a:gd name="T25" fmla="*/ 0 h 517"/>
-                <a:gd name="T26" fmla="*/ 0 60000 65536"/>
-                <a:gd name="T27" fmla="*/ 0 60000 65536"/>
-                <a:gd name="T28" fmla="*/ 0 60000 65536"/>
-                <a:gd name="T29" fmla="*/ 0 60000 65536"/>
-                <a:gd name="T30" fmla="*/ 0 60000 65536"/>
-                <a:gd name="T31" fmla="*/ 0 60000 65536"/>
-                <a:gd name="T32" fmla="*/ 0 60000 65536"/>
-                <a:gd name="T33" fmla="*/ 0 60000 65536"/>
-                <a:gd name="T34" fmla="*/ 0 60000 65536"/>
-                <a:gd name="T35" fmla="*/ 0 60000 65536"/>
-                <a:gd name="T36" fmla="*/ 0 60000 65536"/>
-                <a:gd name="T37" fmla="*/ 0 60000 65536"/>
-                <a:gd name="T38" fmla="*/ 0 60000 65536"/>
-                <a:gd name="T39" fmla="*/ 0 w 277"/>
-                <a:gd name="T40" fmla="*/ 0 h 517"/>
-                <a:gd name="T41" fmla="*/ 277 w 277"/>
-                <a:gd name="T42" fmla="*/ 517 h 517"/>
-              </a:gdLst>
-              <a:ahLst/>
-              <a:cxnLst>
-                <a:cxn ang="T26">
-                  <a:pos x="T0" y="T1"/>
-                </a:cxn>
-                <a:cxn ang="T27">
-                  <a:pos x="T2" y="T3"/>
-                </a:cxn>
-                <a:cxn ang="T28">
-                  <a:pos x="T4" y="T5"/>
-                </a:cxn>
-                <a:cxn ang="T29">
-                  <a:pos x="T6" y="T7"/>
-                </a:cxn>
-                <a:cxn ang="T30">
-                  <a:pos x="T8" y="T9"/>
-                </a:cxn>
-                <a:cxn ang="T31">
-                  <a:pos x="T10" y="T11"/>
-                </a:cxn>
-                <a:cxn ang="T32">
-                  <a:pos x="T12" y="T13"/>
-                </a:cxn>
-                <a:cxn ang="T33">
-                  <a:pos x="T14" y="T15"/>
-                </a:cxn>
-                <a:cxn ang="T34">
-                  <a:pos x="T16" y="T17"/>
-                </a:cxn>
-                <a:cxn ang="T35">
-                  <a:pos x="T18" y="T19"/>
-                </a:cxn>
-                <a:cxn ang="T36">
-                  <a:pos x="T20" y="T21"/>
-                </a:cxn>
-                <a:cxn ang="T37">
-                  <a:pos x="T22" y="T23"/>
-                </a:cxn>
-                <a:cxn ang="T38">
-                  <a:pos x="T24" y="T25"/>
-                </a:cxn>
-              </a:cxnLst>
-              <a:rect l="T39" t="T40" r="T41" b="T42"/>
-              <a:pathLst>
-                <a:path w="277" h="517">
-                  <a:moveTo>
-                    <a:pt x="89" y="0"/>
-                  </a:moveTo>
-                  <a:lnTo>
-                    <a:pt x="191" y="0"/>
-                  </a:lnTo>
-                  <a:lnTo>
-                    <a:pt x="191" y="105"/>
-                  </a:lnTo>
-                  <a:lnTo>
-                    <a:pt x="225" y="105"/>
-                  </a:lnTo>
-                  <a:lnTo>
-                    <a:pt x="276" y="139"/>
-                  </a:lnTo>
-                  <a:lnTo>
-                    <a:pt x="276" y="415"/>
-                  </a:lnTo>
-                  <a:lnTo>
-                    <a:pt x="225" y="516"/>
-                  </a:lnTo>
-                  <a:lnTo>
-                    <a:pt x="51" y="516"/>
-                  </a:lnTo>
-                  <a:lnTo>
-                    <a:pt x="0" y="415"/>
-                  </a:lnTo>
-                  <a:lnTo>
-                    <a:pt x="0" y="139"/>
-                  </a:lnTo>
-                  <a:lnTo>
-                    <a:pt x="51" y="105"/>
-                  </a:lnTo>
-                  <a:lnTo>
-                    <a:pt x="89" y="105"/>
-                  </a:lnTo>
-                  <a:lnTo>
-                    <a:pt x="89" y="0"/>
-                  </a:lnTo>
-                </a:path>
-              </a:pathLst>
-            </a:custGeom>
-            <a:solidFill>
-              <a:srgbClr val="FFCC99"/>
-            </a:solidFill>
-            <a:ln w="12700" cap="rnd">
-              <a:solidFill>
-                <a:schemeClr val="tx1"/>
-              </a:solidFill>
-              <a:round/>
-              <a:headEnd/>
-              <a:tailEnd/>
-            </a:ln>
-          </p:spPr>
-          <p:txBody>
-            <a:bodyPr/>
-            <a:lstStyle/>
-            <a:p>
-              <a:endParaRPr lang="en-US"/>
-            </a:p>
-          </p:txBody>
-        </p:sp>
-      </p:grpSp>
-      <p:grpSp>
-        <p:nvGrpSpPr>
-          <p:cNvPr id="3" name="Group 2">
-            <a:extLst>
-              <a:ext uri="{FF2B5EF4-FFF2-40B4-BE49-F238E27FC236}">
-                <a16:creationId xmlns:a16="http://schemas.microsoft.com/office/drawing/2014/main" id="{B1202202-08D2-1549-A058-5DFA45631C85}"/>
-              </a:ext>
-            </a:extLst>
-          </p:cNvPr>
-          <p:cNvGrpSpPr/>
-          <p:nvPr/>
-        </p:nvGrpSpPr>
-        <p:grpSpPr>
-          <a:xfrm>
-            <a:off x="3470653" y="3790856"/>
-            <a:ext cx="147062" cy="515906"/>
-            <a:chOff x="3505200" y="4519097"/>
-            <a:chExt cx="147062" cy="515906"/>
-          </a:xfrm>
-        </p:grpSpPr>
-        <p:sp>
-          <p:nvSpPr>
-            <p:cNvPr id="73" name="Line 30">
-              <a:extLst>
-                <a:ext uri="{FF2B5EF4-FFF2-40B4-BE49-F238E27FC236}">
-                  <a16:creationId xmlns:a16="http://schemas.microsoft.com/office/drawing/2014/main" id="{983717CC-EEF4-B248-80A8-AE8E86FB7FD8}"/>
-                </a:ext>
-              </a:extLst>
-            </p:cNvPr>
-            <p:cNvSpPr>
-              <a:spLocks noChangeShapeType="1"/>
-            </p:cNvSpPr>
-            <p:nvPr/>
-          </p:nvSpPr>
-          <p:spPr bwMode="auto">
-            <a:xfrm>
-              <a:off x="3505200" y="4633365"/>
-              <a:ext cx="0" cy="401638"/>
-            </a:xfrm>
-            <a:prstGeom prst="line">
-              <a:avLst/>
-            </a:prstGeom>
-            <a:noFill/>
-            <a:ln w="28575">
-              <a:solidFill>
-                <a:schemeClr val="tx1"/>
-              </a:solidFill>
-              <a:round/>
-              <a:headEnd/>
-              <a:tailEnd/>
-            </a:ln>
-            <a:extLst>
-              <a:ext uri="{909E8E84-426E-40DD-AFC4-6F175D3DCCD1}">
-                <a14:hiddenFill xmlns:a14="http://schemas.microsoft.com/office/drawing/2010/main">
-                  <a:noFill/>
-                </a14:hiddenFill>
-              </a:ext>
-            </a:extLst>
-          </p:spPr>
-          <p:txBody>
-            <a:bodyPr wrap="none" anchor="ctr"/>
-            <a:lstStyle/>
-            <a:p>
-              <a:endParaRPr lang="en-US"/>
-            </a:p>
-          </p:txBody>
-        </p:sp>
-        <p:sp>
-          <p:nvSpPr>
-            <p:cNvPr id="74" name="Line 31">
-              <a:extLst>
-                <a:ext uri="{FF2B5EF4-FFF2-40B4-BE49-F238E27FC236}">
-                  <a16:creationId xmlns:a16="http://schemas.microsoft.com/office/drawing/2014/main" id="{A9788773-419A-5A4E-BE61-F82DDA707268}"/>
-                </a:ext>
-              </a:extLst>
-            </p:cNvPr>
-            <p:cNvSpPr>
-              <a:spLocks noChangeShapeType="1"/>
-            </p:cNvSpPr>
-            <p:nvPr/>
-          </p:nvSpPr>
-          <p:spPr bwMode="auto">
-            <a:xfrm>
-              <a:off x="3652262" y="4633365"/>
-              <a:ext cx="0" cy="401638"/>
-            </a:xfrm>
-            <a:prstGeom prst="line">
-              <a:avLst/>
-            </a:prstGeom>
-            <a:noFill/>
-            <a:ln w="28575">
-              <a:solidFill>
-                <a:schemeClr val="tx1"/>
-              </a:solidFill>
-              <a:round/>
-              <a:headEnd/>
-              <a:tailEnd/>
-            </a:ln>
-            <a:extLst>
-              <a:ext uri="{909E8E84-426E-40DD-AFC4-6F175D3DCCD1}">
-                <a14:hiddenFill xmlns:a14="http://schemas.microsoft.com/office/drawing/2010/main">
-                  <a:noFill/>
-                </a14:hiddenFill>
-              </a:ext>
-            </a:extLst>
-          </p:spPr>
-          <p:txBody>
-            <a:bodyPr wrap="none" anchor="ctr"/>
-            <a:lstStyle/>
-            <a:p>
-              <a:endParaRPr lang="en-US"/>
-            </a:p>
-          </p:txBody>
-        </p:sp>
-        <p:sp>
-          <p:nvSpPr>
-            <p:cNvPr id="61" name="Freeform 32">
-              <a:extLst>
-                <a:ext uri="{FF2B5EF4-FFF2-40B4-BE49-F238E27FC236}">
-                  <a16:creationId xmlns:a16="http://schemas.microsoft.com/office/drawing/2014/main" id="{F6C61512-E1E9-A743-8A51-B3E795B70E1B}"/>
-                </a:ext>
-              </a:extLst>
-            </p:cNvPr>
-            <p:cNvSpPr>
-              <a:spLocks/>
-            </p:cNvSpPr>
-            <p:nvPr/>
-          </p:nvSpPr>
-          <p:spPr bwMode="auto">
-            <a:xfrm>
-              <a:off x="3519295" y="4519097"/>
-              <a:ext cx="123343" cy="193674"/>
-            </a:xfrm>
-            <a:custGeom>
-              <a:avLst/>
-              <a:gdLst>
-                <a:gd name="T0" fmla="*/ 1 w 277"/>
-                <a:gd name="T1" fmla="*/ 0 h 517"/>
-                <a:gd name="T2" fmla="*/ 1 w 277"/>
-                <a:gd name="T3" fmla="*/ 0 h 517"/>
-                <a:gd name="T4" fmla="*/ 1 w 277"/>
-                <a:gd name="T5" fmla="*/ 1 h 517"/>
-                <a:gd name="T6" fmla="*/ 1 w 277"/>
-                <a:gd name="T7" fmla="*/ 1 h 517"/>
-                <a:gd name="T8" fmla="*/ 1 w 277"/>
-                <a:gd name="T9" fmla="*/ 1 h 517"/>
-                <a:gd name="T10" fmla="*/ 1 w 277"/>
-                <a:gd name="T11" fmla="*/ 1 h 517"/>
-                <a:gd name="T12" fmla="*/ 1 w 277"/>
-                <a:gd name="T13" fmla="*/ 1 h 517"/>
-                <a:gd name="T14" fmla="*/ 1 w 277"/>
-                <a:gd name="T15" fmla="*/ 1 h 517"/>
-                <a:gd name="T16" fmla="*/ 0 w 277"/>
-                <a:gd name="T17" fmla="*/ 1 h 517"/>
-                <a:gd name="T18" fmla="*/ 0 w 277"/>
-                <a:gd name="T19" fmla="*/ 1 h 517"/>
-                <a:gd name="T20" fmla="*/ 1 w 277"/>
-                <a:gd name="T21" fmla="*/ 1 h 517"/>
-                <a:gd name="T22" fmla="*/ 1 w 277"/>
-                <a:gd name="T23" fmla="*/ 1 h 517"/>
-                <a:gd name="T24" fmla="*/ 1 w 277"/>
-                <a:gd name="T25" fmla="*/ 0 h 517"/>
-                <a:gd name="T26" fmla="*/ 0 60000 65536"/>
-                <a:gd name="T27" fmla="*/ 0 60000 65536"/>
-                <a:gd name="T28" fmla="*/ 0 60000 65536"/>
-                <a:gd name="T29" fmla="*/ 0 60000 65536"/>
-                <a:gd name="T30" fmla="*/ 0 60000 65536"/>
-                <a:gd name="T31" fmla="*/ 0 60000 65536"/>
-                <a:gd name="T32" fmla="*/ 0 60000 65536"/>
-                <a:gd name="T33" fmla="*/ 0 60000 65536"/>
-                <a:gd name="T34" fmla="*/ 0 60000 65536"/>
-                <a:gd name="T35" fmla="*/ 0 60000 65536"/>
-                <a:gd name="T36" fmla="*/ 0 60000 65536"/>
-                <a:gd name="T37" fmla="*/ 0 60000 65536"/>
-                <a:gd name="T38" fmla="*/ 0 60000 65536"/>
-                <a:gd name="T39" fmla="*/ 0 w 277"/>
-                <a:gd name="T40" fmla="*/ 0 h 517"/>
-                <a:gd name="T41" fmla="*/ 277 w 277"/>
-                <a:gd name="T42" fmla="*/ 517 h 517"/>
-              </a:gdLst>
-              <a:ahLst/>
-              <a:cxnLst>
-                <a:cxn ang="T26">
-                  <a:pos x="T0" y="T1"/>
-                </a:cxn>
-                <a:cxn ang="T27">
-                  <a:pos x="T2" y="T3"/>
-                </a:cxn>
-                <a:cxn ang="T28">
-                  <a:pos x="T4" y="T5"/>
-                </a:cxn>
-                <a:cxn ang="T29">
-                  <a:pos x="T6" y="T7"/>
-                </a:cxn>
-                <a:cxn ang="T30">
-                  <a:pos x="T8" y="T9"/>
-                </a:cxn>
-                <a:cxn ang="T31">
-                  <a:pos x="T10" y="T11"/>
-                </a:cxn>
-                <a:cxn ang="T32">
-                  <a:pos x="T12" y="T13"/>
-                </a:cxn>
-                <a:cxn ang="T33">
-                  <a:pos x="T14" y="T15"/>
-                </a:cxn>
-                <a:cxn ang="T34">
-                  <a:pos x="T16" y="T17"/>
-                </a:cxn>
-                <a:cxn ang="T35">
-                  <a:pos x="T18" y="T19"/>
-                </a:cxn>
-                <a:cxn ang="T36">
-                  <a:pos x="T20" y="T21"/>
-                </a:cxn>
-                <a:cxn ang="T37">
-                  <a:pos x="T22" y="T23"/>
-                </a:cxn>
-                <a:cxn ang="T38">
-                  <a:pos x="T24" y="T25"/>
-                </a:cxn>
-              </a:cxnLst>
-              <a:rect l="T39" t="T40" r="T41" b="T42"/>
-              <a:pathLst>
-                <a:path w="277" h="517">
-                  <a:moveTo>
-                    <a:pt x="89" y="0"/>
-                  </a:moveTo>
-                  <a:lnTo>
-                    <a:pt x="191" y="0"/>
-                  </a:lnTo>
-                  <a:lnTo>
-                    <a:pt x="191" y="105"/>
-                  </a:lnTo>
-                  <a:lnTo>
-                    <a:pt x="225" y="105"/>
-                  </a:lnTo>
-                  <a:lnTo>
-                    <a:pt x="276" y="139"/>
-                  </a:lnTo>
-                  <a:lnTo>
-                    <a:pt x="276" y="415"/>
-                  </a:lnTo>
-                  <a:lnTo>
-                    <a:pt x="225" y="516"/>
-                  </a:lnTo>
-                  <a:lnTo>
-                    <a:pt x="51" y="516"/>
-                  </a:lnTo>
-                  <a:lnTo>
-                    <a:pt x="0" y="415"/>
-                  </a:lnTo>
-                  <a:lnTo>
-                    <a:pt x="0" y="139"/>
-                  </a:lnTo>
-                  <a:lnTo>
-                    <a:pt x="51" y="105"/>
-                  </a:lnTo>
-                  <a:lnTo>
-                    <a:pt x="89" y="105"/>
-                  </a:lnTo>
-                  <a:lnTo>
-                    <a:pt x="89" y="0"/>
-                  </a:lnTo>
-                </a:path>
-              </a:pathLst>
-            </a:custGeom>
-            <a:solidFill>
-              <a:srgbClr val="FFCC99"/>
-            </a:solidFill>
-            <a:ln w="12700" cap="rnd">
-              <a:solidFill>
-                <a:schemeClr val="tx1"/>
-              </a:solidFill>
-              <a:round/>
-              <a:headEnd/>
-              <a:tailEnd/>
-            </a:ln>
-          </p:spPr>
-          <p:txBody>
-            <a:bodyPr/>
-            <a:lstStyle/>
-            <a:p>
-              <a:endParaRPr lang="en-US"/>
-            </a:p>
-          </p:txBody>
-        </p:sp>
-      </p:grpSp>
-      <p:grpSp>
-        <p:nvGrpSpPr>
-          <p:cNvPr id="65" name="Group 64">
-            <a:extLst>
-              <a:ext uri="{FF2B5EF4-FFF2-40B4-BE49-F238E27FC236}">
-                <a16:creationId xmlns:a16="http://schemas.microsoft.com/office/drawing/2014/main" id="{8CB35393-29F1-F540-9BC4-B983A45EF57F}"/>
-              </a:ext>
-            </a:extLst>
-          </p:cNvPr>
-          <p:cNvGrpSpPr/>
-          <p:nvPr/>
-        </p:nvGrpSpPr>
-        <p:grpSpPr>
-          <a:xfrm>
-            <a:off x="4495100" y="3821222"/>
-            <a:ext cx="290513" cy="787400"/>
-            <a:chOff x="9296400" y="3392569"/>
-            <a:chExt cx="290513" cy="787400"/>
-          </a:xfrm>
-        </p:grpSpPr>
-        <p:grpSp>
-          <p:nvGrpSpPr>
-            <p:cNvPr id="66" name="Group 33">
-              <a:extLst>
-                <a:ext uri="{FF2B5EF4-FFF2-40B4-BE49-F238E27FC236}">
-                  <a16:creationId xmlns:a16="http://schemas.microsoft.com/office/drawing/2014/main" id="{89724577-6FE4-F64C-A419-F9F69F4F297E}"/>
-                </a:ext>
-              </a:extLst>
-            </p:cNvPr>
-            <p:cNvGrpSpPr>
-              <a:grpSpLocks/>
-            </p:cNvGrpSpPr>
-            <p:nvPr/>
-          </p:nvGrpSpPr>
-          <p:grpSpPr bwMode="auto">
-            <a:xfrm>
-              <a:off x="9296400" y="3392569"/>
-              <a:ext cx="290513" cy="787400"/>
-              <a:chOff x="2244" y="2118"/>
-              <a:chExt cx="181" cy="499"/>
-            </a:xfrm>
-          </p:grpSpPr>
-          <p:sp>
-            <p:nvSpPr>
-              <p:cNvPr id="69" name="Line 34">
-                <a:extLst>
-                  <a:ext uri="{FF2B5EF4-FFF2-40B4-BE49-F238E27FC236}">
-                    <a16:creationId xmlns:a16="http://schemas.microsoft.com/office/drawing/2014/main" id="{CC4DCEAB-469B-E54E-9C03-74C5935DF2EB}"/>
-                  </a:ext>
-                </a:extLst>
-              </p:cNvPr>
-              <p:cNvSpPr>
-                <a:spLocks noChangeShapeType="1"/>
-              </p:cNvSpPr>
-              <p:nvPr/>
-            </p:nvSpPr>
-            <p:spPr bwMode="auto">
-              <a:xfrm>
-                <a:off x="2251" y="2363"/>
-                <a:ext cx="0" cy="254"/>
-              </a:xfrm>
-              <a:prstGeom prst="line">
-                <a:avLst/>
-              </a:prstGeom>
-              <a:noFill/>
-              <a:ln w="28575">
-                <a:solidFill>
-                  <a:schemeClr val="tx1"/>
-                </a:solidFill>
-                <a:round/>
-                <a:headEnd/>
-                <a:tailEnd/>
-              </a:ln>
-              <a:extLst>
-                <a:ext uri="{909E8E84-426E-40DD-AFC4-6F175D3DCCD1}">
-                  <a14:hiddenFill xmlns:a14="http://schemas.microsoft.com/office/drawing/2010/main">
-                    <a:noFill/>
-                  </a14:hiddenFill>
-                </a:ext>
-              </a:extLst>
-            </p:spPr>
-            <p:txBody>
-              <a:bodyPr wrap="none" anchor="ctr"/>
-              <a:lstStyle/>
-              <a:p>
-                <a:endParaRPr lang="en-US"/>
-              </a:p>
-            </p:txBody>
-          </p:sp>
-          <p:sp>
-            <p:nvSpPr>
-              <p:cNvPr id="70" name="Line 35">
-                <a:extLst>
-                  <a:ext uri="{FF2B5EF4-FFF2-40B4-BE49-F238E27FC236}">
-                    <a16:creationId xmlns:a16="http://schemas.microsoft.com/office/drawing/2014/main" id="{6B018062-4443-B149-9D7A-9B306F5F540C}"/>
-                  </a:ext>
-                </a:extLst>
-              </p:cNvPr>
-              <p:cNvSpPr>
-                <a:spLocks noChangeShapeType="1"/>
-              </p:cNvSpPr>
-              <p:nvPr/>
-            </p:nvSpPr>
-            <p:spPr bwMode="auto">
-              <a:xfrm>
-                <a:off x="2420" y="2363"/>
-                <a:ext cx="0" cy="254"/>
-              </a:xfrm>
-              <a:prstGeom prst="line">
-                <a:avLst/>
-              </a:prstGeom>
-              <a:noFill/>
-              <a:ln w="28575">
-                <a:solidFill>
-                  <a:schemeClr val="tx1"/>
-                </a:solidFill>
-                <a:round/>
-                <a:headEnd/>
-                <a:tailEnd/>
-              </a:ln>
-              <a:extLst>
-                <a:ext uri="{909E8E84-426E-40DD-AFC4-6F175D3DCCD1}">
-                  <a14:hiddenFill xmlns:a14="http://schemas.microsoft.com/office/drawing/2010/main">
-                    <a:noFill/>
-                  </a14:hiddenFill>
-                </a:ext>
-              </a:extLst>
-            </p:spPr>
-            <p:txBody>
-              <a:bodyPr wrap="none" anchor="ctr"/>
-              <a:lstStyle/>
-              <a:p>
-                <a:endParaRPr lang="en-US"/>
-              </a:p>
-            </p:txBody>
-          </p:sp>
-          <p:sp>
-            <p:nvSpPr>
-              <p:cNvPr id="71" name="Freeform 36">
-                <a:extLst>
-                  <a:ext uri="{FF2B5EF4-FFF2-40B4-BE49-F238E27FC236}">
-                    <a16:creationId xmlns:a16="http://schemas.microsoft.com/office/drawing/2014/main" id="{F257160B-F0CC-1B45-A1E1-A1823BF52595}"/>
-                  </a:ext>
-                </a:extLst>
-              </p:cNvPr>
-              <p:cNvSpPr>
-                <a:spLocks/>
-              </p:cNvSpPr>
-              <p:nvPr/>
-            </p:nvSpPr>
-            <p:spPr bwMode="auto">
-              <a:xfrm>
-                <a:off x="2244" y="2118"/>
-                <a:ext cx="181" cy="333"/>
-              </a:xfrm>
-              <a:custGeom>
-                <a:avLst/>
-                <a:gdLst>
-                  <a:gd name="T0" fmla="*/ 1 w 277"/>
-                  <a:gd name="T1" fmla="*/ 0 h 517"/>
-                  <a:gd name="T2" fmla="*/ 1 w 277"/>
-                  <a:gd name="T3" fmla="*/ 0 h 517"/>
-                  <a:gd name="T4" fmla="*/ 1 w 277"/>
-                  <a:gd name="T5" fmla="*/ 1 h 517"/>
-                  <a:gd name="T6" fmla="*/ 1 w 277"/>
-                  <a:gd name="T7" fmla="*/ 1 h 517"/>
-                  <a:gd name="T8" fmla="*/ 1 w 277"/>
-                  <a:gd name="T9" fmla="*/ 1 h 517"/>
-                  <a:gd name="T10" fmla="*/ 1 w 277"/>
-                  <a:gd name="T11" fmla="*/ 1 h 517"/>
-                  <a:gd name="T12" fmla="*/ 1 w 277"/>
-                  <a:gd name="T13" fmla="*/ 1 h 517"/>
-                  <a:gd name="T14" fmla="*/ 1 w 277"/>
-                  <a:gd name="T15" fmla="*/ 1 h 517"/>
-                  <a:gd name="T16" fmla="*/ 0 w 277"/>
-                  <a:gd name="T17" fmla="*/ 1 h 517"/>
-                  <a:gd name="T18" fmla="*/ 0 w 277"/>
-                  <a:gd name="T19" fmla="*/ 1 h 517"/>
-                  <a:gd name="T20" fmla="*/ 1 w 277"/>
-                  <a:gd name="T21" fmla="*/ 1 h 517"/>
-                  <a:gd name="T22" fmla="*/ 1 w 277"/>
-                  <a:gd name="T23" fmla="*/ 1 h 517"/>
-                  <a:gd name="T24" fmla="*/ 1 w 277"/>
-                  <a:gd name="T25" fmla="*/ 0 h 517"/>
-                  <a:gd name="T26" fmla="*/ 0 60000 65536"/>
-                  <a:gd name="T27" fmla="*/ 0 60000 65536"/>
-                  <a:gd name="T28" fmla="*/ 0 60000 65536"/>
-                  <a:gd name="T29" fmla="*/ 0 60000 65536"/>
-                  <a:gd name="T30" fmla="*/ 0 60000 65536"/>
-                  <a:gd name="T31" fmla="*/ 0 60000 65536"/>
-                  <a:gd name="T32" fmla="*/ 0 60000 65536"/>
-                  <a:gd name="T33" fmla="*/ 0 60000 65536"/>
-                  <a:gd name="T34" fmla="*/ 0 60000 65536"/>
-                  <a:gd name="T35" fmla="*/ 0 60000 65536"/>
-                  <a:gd name="T36" fmla="*/ 0 60000 65536"/>
-                  <a:gd name="T37" fmla="*/ 0 60000 65536"/>
-                  <a:gd name="T38" fmla="*/ 0 60000 65536"/>
-                  <a:gd name="T39" fmla="*/ 0 w 277"/>
-                  <a:gd name="T40" fmla="*/ 0 h 517"/>
-                  <a:gd name="T41" fmla="*/ 277 w 277"/>
-                  <a:gd name="T42" fmla="*/ 517 h 517"/>
-                </a:gdLst>
-                <a:ahLst/>
-                <a:cxnLst>
-                  <a:cxn ang="T26">
-                    <a:pos x="T0" y="T1"/>
-                  </a:cxn>
-                  <a:cxn ang="T27">
-                    <a:pos x="T2" y="T3"/>
-                  </a:cxn>
-                  <a:cxn ang="T28">
-                    <a:pos x="T4" y="T5"/>
-                  </a:cxn>
-                  <a:cxn ang="T29">
-                    <a:pos x="T6" y="T7"/>
-                  </a:cxn>
-                  <a:cxn ang="T30">
-                    <a:pos x="T8" y="T9"/>
-                  </a:cxn>
-                  <a:cxn ang="T31">
-                    <a:pos x="T10" y="T11"/>
-                  </a:cxn>
-                  <a:cxn ang="T32">
-                    <a:pos x="T12" y="T13"/>
-                  </a:cxn>
-                  <a:cxn ang="T33">
-                    <a:pos x="T14" y="T15"/>
-                  </a:cxn>
-                  <a:cxn ang="T34">
-                    <a:pos x="T16" y="T17"/>
-                  </a:cxn>
-                  <a:cxn ang="T35">
-                    <a:pos x="T18" y="T19"/>
-                  </a:cxn>
-                  <a:cxn ang="T36">
-                    <a:pos x="T20" y="T21"/>
-                  </a:cxn>
-                  <a:cxn ang="T37">
-                    <a:pos x="T22" y="T23"/>
-                  </a:cxn>
-                  <a:cxn ang="T38">
-                    <a:pos x="T24" y="T25"/>
-                  </a:cxn>
-                </a:cxnLst>
-                <a:rect l="T39" t="T40" r="T41" b="T42"/>
-                <a:pathLst>
-                  <a:path w="277" h="517">
-                    <a:moveTo>
-                      <a:pt x="89" y="0"/>
-                    </a:moveTo>
-                    <a:lnTo>
-                      <a:pt x="191" y="0"/>
-                    </a:lnTo>
-                    <a:lnTo>
-                      <a:pt x="191" y="105"/>
-                    </a:lnTo>
-                    <a:lnTo>
-                      <a:pt x="225" y="105"/>
-                    </a:lnTo>
-                    <a:lnTo>
-                      <a:pt x="276" y="139"/>
-                    </a:lnTo>
-                    <a:lnTo>
-                      <a:pt x="276" y="415"/>
-                    </a:lnTo>
-                    <a:lnTo>
-                      <a:pt x="225" y="516"/>
-                    </a:lnTo>
-                    <a:lnTo>
-                      <a:pt x="51" y="516"/>
-                    </a:lnTo>
-                    <a:lnTo>
-                      <a:pt x="0" y="415"/>
-                    </a:lnTo>
-                    <a:lnTo>
-                      <a:pt x="0" y="139"/>
-                    </a:lnTo>
-                    <a:lnTo>
-                      <a:pt x="51" y="105"/>
-                    </a:lnTo>
-                    <a:lnTo>
-                      <a:pt x="89" y="105"/>
-                    </a:lnTo>
-                    <a:lnTo>
-                      <a:pt x="89" y="0"/>
-                    </a:lnTo>
-                  </a:path>
-                </a:pathLst>
-              </a:custGeom>
-              <a:solidFill>
-                <a:schemeClr val="bg1"/>
-              </a:solidFill>
-              <a:ln w="12700" cap="rnd">
-                <a:solidFill>
-                  <a:schemeClr val="tx1"/>
-                </a:solidFill>
-                <a:round/>
-                <a:headEnd/>
-                <a:tailEnd/>
-              </a:ln>
-            </p:spPr>
-            <p:txBody>
-              <a:bodyPr/>
-              <a:lstStyle/>
-              <a:p>
-                <a:endParaRPr lang="en-US"/>
-              </a:p>
-            </p:txBody>
-          </p:sp>
-        </p:grpSp>
-        <p:sp>
-          <p:nvSpPr>
-            <p:cNvPr id="67" name="Freeform 32">
-              <a:extLst>
-                <a:ext uri="{FF2B5EF4-FFF2-40B4-BE49-F238E27FC236}">
-                  <a16:creationId xmlns:a16="http://schemas.microsoft.com/office/drawing/2014/main" id="{72B8D2E0-9D20-034F-BF57-7FB6D1492053}"/>
-                </a:ext>
-              </a:extLst>
-            </p:cNvPr>
-            <p:cNvSpPr>
-              <a:spLocks/>
-            </p:cNvSpPr>
-            <p:nvPr/>
-          </p:nvSpPr>
-          <p:spPr bwMode="auto">
-            <a:xfrm rot="3215190">
-              <a:off x="9349267" y="3489031"/>
-              <a:ext cx="123343" cy="193674"/>
-            </a:xfrm>
-            <a:custGeom>
-              <a:avLst/>
-              <a:gdLst>
-                <a:gd name="T0" fmla="*/ 1 w 277"/>
-                <a:gd name="T1" fmla="*/ 0 h 517"/>
-                <a:gd name="T2" fmla="*/ 1 w 277"/>
-                <a:gd name="T3" fmla="*/ 0 h 517"/>
-                <a:gd name="T4" fmla="*/ 1 w 277"/>
-                <a:gd name="T5" fmla="*/ 1 h 517"/>
-                <a:gd name="T6" fmla="*/ 1 w 277"/>
-                <a:gd name="T7" fmla="*/ 1 h 517"/>
-                <a:gd name="T8" fmla="*/ 1 w 277"/>
-                <a:gd name="T9" fmla="*/ 1 h 517"/>
-                <a:gd name="T10" fmla="*/ 1 w 277"/>
-                <a:gd name="T11" fmla="*/ 1 h 517"/>
-                <a:gd name="T12" fmla="*/ 1 w 277"/>
-                <a:gd name="T13" fmla="*/ 1 h 517"/>
-                <a:gd name="T14" fmla="*/ 1 w 277"/>
-                <a:gd name="T15" fmla="*/ 1 h 517"/>
-                <a:gd name="T16" fmla="*/ 0 w 277"/>
-                <a:gd name="T17" fmla="*/ 1 h 517"/>
-                <a:gd name="T18" fmla="*/ 0 w 277"/>
-                <a:gd name="T19" fmla="*/ 1 h 517"/>
-                <a:gd name="T20" fmla="*/ 1 w 277"/>
-                <a:gd name="T21" fmla="*/ 1 h 517"/>
-                <a:gd name="T22" fmla="*/ 1 w 277"/>
-                <a:gd name="T23" fmla="*/ 1 h 517"/>
-                <a:gd name="T24" fmla="*/ 1 w 277"/>
-                <a:gd name="T25" fmla="*/ 0 h 517"/>
-                <a:gd name="T26" fmla="*/ 0 60000 65536"/>
-                <a:gd name="T27" fmla="*/ 0 60000 65536"/>
-                <a:gd name="T28" fmla="*/ 0 60000 65536"/>
-                <a:gd name="T29" fmla="*/ 0 60000 65536"/>
-                <a:gd name="T30" fmla="*/ 0 60000 65536"/>
-                <a:gd name="T31" fmla="*/ 0 60000 65536"/>
-                <a:gd name="T32" fmla="*/ 0 60000 65536"/>
-                <a:gd name="T33" fmla="*/ 0 60000 65536"/>
-                <a:gd name="T34" fmla="*/ 0 60000 65536"/>
-                <a:gd name="T35" fmla="*/ 0 60000 65536"/>
-                <a:gd name="T36" fmla="*/ 0 60000 65536"/>
-                <a:gd name="T37" fmla="*/ 0 60000 65536"/>
-                <a:gd name="T38" fmla="*/ 0 60000 65536"/>
-                <a:gd name="T39" fmla="*/ 0 w 277"/>
-                <a:gd name="T40" fmla="*/ 0 h 517"/>
-                <a:gd name="T41" fmla="*/ 277 w 277"/>
-                <a:gd name="T42" fmla="*/ 517 h 517"/>
-              </a:gdLst>
-              <a:ahLst/>
-              <a:cxnLst>
-                <a:cxn ang="T26">
-                  <a:pos x="T0" y="T1"/>
-                </a:cxn>
-                <a:cxn ang="T27">
-                  <a:pos x="T2" y="T3"/>
-                </a:cxn>
-                <a:cxn ang="T28">
-                  <a:pos x="T4" y="T5"/>
-                </a:cxn>
-                <a:cxn ang="T29">
-                  <a:pos x="T6" y="T7"/>
-                </a:cxn>
-                <a:cxn ang="T30">
-                  <a:pos x="T8" y="T9"/>
-                </a:cxn>
-                <a:cxn ang="T31">
-                  <a:pos x="T10" y="T11"/>
-                </a:cxn>
-                <a:cxn ang="T32">
-                  <a:pos x="T12" y="T13"/>
-                </a:cxn>
-                <a:cxn ang="T33">
-                  <a:pos x="T14" y="T15"/>
-                </a:cxn>
-                <a:cxn ang="T34">
-                  <a:pos x="T16" y="T17"/>
-                </a:cxn>
-                <a:cxn ang="T35">
-                  <a:pos x="T18" y="T19"/>
-                </a:cxn>
-                <a:cxn ang="T36">
-                  <a:pos x="T20" y="T21"/>
-                </a:cxn>
-                <a:cxn ang="T37">
-                  <a:pos x="T22" y="T23"/>
-                </a:cxn>
-                <a:cxn ang="T38">
-                  <a:pos x="T24" y="T25"/>
-                </a:cxn>
-              </a:cxnLst>
-              <a:rect l="T39" t="T40" r="T41" b="T42"/>
-              <a:pathLst>
-                <a:path w="277" h="517">
-                  <a:moveTo>
-                    <a:pt x="89" y="0"/>
-                  </a:moveTo>
-                  <a:lnTo>
-                    <a:pt x="191" y="0"/>
-                  </a:lnTo>
-                  <a:lnTo>
-                    <a:pt x="191" y="105"/>
-                  </a:lnTo>
-                  <a:lnTo>
-                    <a:pt x="225" y="105"/>
-                  </a:lnTo>
-                  <a:lnTo>
-                    <a:pt x="276" y="139"/>
-                  </a:lnTo>
-                  <a:lnTo>
-                    <a:pt x="276" y="415"/>
-                  </a:lnTo>
-                  <a:lnTo>
-                    <a:pt x="225" y="516"/>
-                  </a:lnTo>
-                  <a:lnTo>
-                    <a:pt x="51" y="516"/>
-                  </a:lnTo>
-                  <a:lnTo>
-                    <a:pt x="0" y="415"/>
-                  </a:lnTo>
-                  <a:lnTo>
-                    <a:pt x="0" y="139"/>
-                  </a:lnTo>
-                  <a:lnTo>
-                    <a:pt x="51" y="105"/>
-                  </a:lnTo>
-                  <a:lnTo>
-                    <a:pt x="89" y="105"/>
-                  </a:lnTo>
-                  <a:lnTo>
-                    <a:pt x="89" y="0"/>
-                  </a:lnTo>
-                </a:path>
-              </a:pathLst>
-            </a:custGeom>
-            <a:solidFill>
-              <a:srgbClr val="FFCC99"/>
-            </a:solidFill>
-            <a:ln w="12700" cap="rnd">
-              <a:solidFill>
-                <a:schemeClr val="tx1"/>
-              </a:solidFill>
-              <a:round/>
-              <a:headEnd/>
-              <a:tailEnd/>
-            </a:ln>
-          </p:spPr>
-          <p:txBody>
-            <a:bodyPr/>
-            <a:lstStyle/>
-            <a:p>
-              <a:endParaRPr lang="en-US"/>
-            </a:p>
-          </p:txBody>
-        </p:sp>
-        <p:sp>
-          <p:nvSpPr>
-            <p:cNvPr id="68" name="Freeform 32">
-              <a:extLst>
-                <a:ext uri="{FF2B5EF4-FFF2-40B4-BE49-F238E27FC236}">
-                  <a16:creationId xmlns:a16="http://schemas.microsoft.com/office/drawing/2014/main" id="{67815D9D-482E-4D45-823F-06E3D423470F}"/>
-                </a:ext>
-              </a:extLst>
-            </p:cNvPr>
-            <p:cNvSpPr>
-              <a:spLocks/>
-            </p:cNvSpPr>
-            <p:nvPr/>
-          </p:nvSpPr>
-          <p:spPr bwMode="auto">
-            <a:xfrm rot="19003436">
-              <a:off x="9377089" y="3700673"/>
-              <a:ext cx="123343" cy="193674"/>
-            </a:xfrm>
-            <a:custGeom>
-              <a:avLst/>
-              <a:gdLst>
-                <a:gd name="T0" fmla="*/ 1 w 277"/>
-                <a:gd name="T1" fmla="*/ 0 h 517"/>
-                <a:gd name="T2" fmla="*/ 1 w 277"/>
-                <a:gd name="T3" fmla="*/ 0 h 517"/>
-                <a:gd name="T4" fmla="*/ 1 w 277"/>
-                <a:gd name="T5" fmla="*/ 1 h 517"/>
-                <a:gd name="T6" fmla="*/ 1 w 277"/>
-                <a:gd name="T7" fmla="*/ 1 h 517"/>
-                <a:gd name="T8" fmla="*/ 1 w 277"/>
-                <a:gd name="T9" fmla="*/ 1 h 517"/>
-                <a:gd name="T10" fmla="*/ 1 w 277"/>
-                <a:gd name="T11" fmla="*/ 1 h 517"/>
-                <a:gd name="T12" fmla="*/ 1 w 277"/>
-                <a:gd name="T13" fmla="*/ 1 h 517"/>
-                <a:gd name="T14" fmla="*/ 1 w 277"/>
-                <a:gd name="T15" fmla="*/ 1 h 517"/>
-                <a:gd name="T16" fmla="*/ 0 w 277"/>
-                <a:gd name="T17" fmla="*/ 1 h 517"/>
-                <a:gd name="T18" fmla="*/ 0 w 277"/>
-                <a:gd name="T19" fmla="*/ 1 h 517"/>
-                <a:gd name="T20" fmla="*/ 1 w 277"/>
-                <a:gd name="T21" fmla="*/ 1 h 517"/>
-                <a:gd name="T22" fmla="*/ 1 w 277"/>
-                <a:gd name="T23" fmla="*/ 1 h 517"/>
-                <a:gd name="T24" fmla="*/ 1 w 277"/>
-                <a:gd name="T25" fmla="*/ 0 h 517"/>
-                <a:gd name="T26" fmla="*/ 0 60000 65536"/>
-                <a:gd name="T27" fmla="*/ 0 60000 65536"/>
-                <a:gd name="T28" fmla="*/ 0 60000 65536"/>
-                <a:gd name="T29" fmla="*/ 0 60000 65536"/>
-                <a:gd name="T30" fmla="*/ 0 60000 65536"/>
-                <a:gd name="T31" fmla="*/ 0 60000 65536"/>
-                <a:gd name="T32" fmla="*/ 0 60000 65536"/>
-                <a:gd name="T33" fmla="*/ 0 60000 65536"/>
-                <a:gd name="T34" fmla="*/ 0 60000 65536"/>
-                <a:gd name="T35" fmla="*/ 0 60000 65536"/>
-                <a:gd name="T36" fmla="*/ 0 60000 65536"/>
-                <a:gd name="T37" fmla="*/ 0 60000 65536"/>
-                <a:gd name="T38" fmla="*/ 0 60000 65536"/>
-                <a:gd name="T39" fmla="*/ 0 w 277"/>
-                <a:gd name="T40" fmla="*/ 0 h 517"/>
-                <a:gd name="T41" fmla="*/ 277 w 277"/>
-                <a:gd name="T42" fmla="*/ 517 h 517"/>
-              </a:gdLst>
-              <a:ahLst/>
-              <a:cxnLst>
-                <a:cxn ang="T26">
-                  <a:pos x="T0" y="T1"/>
-                </a:cxn>
-                <a:cxn ang="T27">
-                  <a:pos x="T2" y="T3"/>
-                </a:cxn>
-                <a:cxn ang="T28">
-                  <a:pos x="T4" y="T5"/>
-                </a:cxn>
-                <a:cxn ang="T29">
-                  <a:pos x="T6" y="T7"/>
-                </a:cxn>
-                <a:cxn ang="T30">
-                  <a:pos x="T8" y="T9"/>
-                </a:cxn>
-                <a:cxn ang="T31">
-                  <a:pos x="T10" y="T11"/>
-                </a:cxn>
-                <a:cxn ang="T32">
-                  <a:pos x="T12" y="T13"/>
-                </a:cxn>
-                <a:cxn ang="T33">
-                  <a:pos x="T14" y="T15"/>
-                </a:cxn>
-                <a:cxn ang="T34">
-                  <a:pos x="T16" y="T17"/>
-                </a:cxn>
-                <a:cxn ang="T35">
-                  <a:pos x="T18" y="T19"/>
-                </a:cxn>
-                <a:cxn ang="T36">
-                  <a:pos x="T20" y="T21"/>
-                </a:cxn>
-                <a:cxn ang="T37">
-                  <a:pos x="T22" y="T23"/>
-                </a:cxn>
-                <a:cxn ang="T38">
-                  <a:pos x="T24" y="T25"/>
-                </a:cxn>
-              </a:cxnLst>
-              <a:rect l="T39" t="T40" r="T41" b="T42"/>
-              <a:pathLst>
-                <a:path w="277" h="517">
-                  <a:moveTo>
-                    <a:pt x="89" y="0"/>
-                  </a:moveTo>
-                  <a:lnTo>
-                    <a:pt x="191" y="0"/>
-                  </a:lnTo>
-                  <a:lnTo>
-                    <a:pt x="191" y="105"/>
-                  </a:lnTo>
-                  <a:lnTo>
-                    <a:pt x="225" y="105"/>
-                  </a:lnTo>
-                  <a:lnTo>
-                    <a:pt x="276" y="139"/>
-                  </a:lnTo>
-                  <a:lnTo>
-                    <a:pt x="276" y="415"/>
-                  </a:lnTo>
-                  <a:lnTo>
-                    <a:pt x="225" y="516"/>
-                  </a:lnTo>
-                  <a:lnTo>
-                    <a:pt x="51" y="516"/>
-                  </a:lnTo>
-                  <a:lnTo>
-                    <a:pt x="0" y="415"/>
-                  </a:lnTo>
-                  <a:lnTo>
-                    <a:pt x="0" y="139"/>
-                  </a:lnTo>
-                  <a:lnTo>
-                    <a:pt x="51" y="105"/>
-                  </a:lnTo>
-                  <a:lnTo>
-                    <a:pt x="89" y="105"/>
-                  </a:lnTo>
-                  <a:lnTo>
-                    <a:pt x="89" y="0"/>
-                  </a:lnTo>
-                </a:path>
-              </a:pathLst>
-            </a:custGeom>
-            <a:solidFill>
-              <a:srgbClr val="FFCC99"/>
-            </a:solidFill>
-            <a:ln w="12700" cap="rnd">
-              <a:solidFill>
-                <a:schemeClr val="tx1"/>
-              </a:solidFill>
-              <a:round/>
-              <a:headEnd/>
-              <a:tailEnd/>
-            </a:ln>
-          </p:spPr>
-          <p:txBody>
-            <a:bodyPr/>
-            <a:lstStyle/>
-            <a:p>
-              <a:endParaRPr lang="en-US"/>
-            </a:p>
-          </p:txBody>
-        </p:sp>
-      </p:grpSp>
-      <p:grpSp>
-        <p:nvGrpSpPr>
           <p:cNvPr id="76" name="Group 75">
             <a:extLst>
               <a:ext uri="{FF2B5EF4-FFF2-40B4-BE49-F238E27FC236}">
@@ -8354,6 +6752,1783 @@
           </p:txBody>
         </p:sp>
       </p:grpSp>
+      <p:grpSp>
+        <p:nvGrpSpPr>
+          <p:cNvPr id="58" name="Group 57">
+            <a:extLst>
+              <a:ext uri="{FF2B5EF4-FFF2-40B4-BE49-F238E27FC236}">
+                <a16:creationId xmlns:a16="http://schemas.microsoft.com/office/drawing/2014/main" id="{863FCFA4-F6E8-4B25-80C5-E074BC278A20}"/>
+              </a:ext>
+            </a:extLst>
+          </p:cNvPr>
+          <p:cNvGrpSpPr/>
+          <p:nvPr/>
+        </p:nvGrpSpPr>
+        <p:grpSpPr>
+          <a:xfrm>
+            <a:off x="2024532" y="3828323"/>
+            <a:ext cx="290513" cy="787400"/>
+            <a:chOff x="9296400" y="3392569"/>
+            <a:chExt cx="290513" cy="787400"/>
+          </a:xfrm>
+        </p:grpSpPr>
+        <p:grpSp>
+          <p:nvGrpSpPr>
+            <p:cNvPr id="59" name="Group 33">
+              <a:extLst>
+                <a:ext uri="{FF2B5EF4-FFF2-40B4-BE49-F238E27FC236}">
+                  <a16:creationId xmlns:a16="http://schemas.microsoft.com/office/drawing/2014/main" id="{567B7F34-ED83-4E47-809E-AEFEE9A11200}"/>
+                </a:ext>
+              </a:extLst>
+            </p:cNvPr>
+            <p:cNvGrpSpPr>
+              <a:grpSpLocks/>
+            </p:cNvGrpSpPr>
+            <p:nvPr/>
+          </p:nvGrpSpPr>
+          <p:grpSpPr bwMode="auto">
+            <a:xfrm>
+              <a:off x="9296400" y="3392569"/>
+              <a:ext cx="290513" cy="787400"/>
+              <a:chOff x="2244" y="2118"/>
+              <a:chExt cx="181" cy="499"/>
+            </a:xfrm>
+          </p:grpSpPr>
+          <p:sp>
+            <p:nvSpPr>
+              <p:cNvPr id="63" name="Line 34">
+                <a:extLst>
+                  <a:ext uri="{FF2B5EF4-FFF2-40B4-BE49-F238E27FC236}">
+                    <a16:creationId xmlns:a16="http://schemas.microsoft.com/office/drawing/2014/main" id="{CE6811B2-8F3D-483B-964E-CB44EE65E854}"/>
+                  </a:ext>
+                </a:extLst>
+              </p:cNvPr>
+              <p:cNvSpPr>
+                <a:spLocks noChangeShapeType="1"/>
+              </p:cNvSpPr>
+              <p:nvPr/>
+            </p:nvSpPr>
+            <p:spPr bwMode="auto">
+              <a:xfrm>
+                <a:off x="2251" y="2363"/>
+                <a:ext cx="0" cy="254"/>
+              </a:xfrm>
+              <a:prstGeom prst="line">
+                <a:avLst/>
+              </a:prstGeom>
+              <a:noFill/>
+              <a:ln w="28575">
+                <a:solidFill>
+                  <a:schemeClr val="tx1"/>
+                </a:solidFill>
+                <a:round/>
+                <a:headEnd/>
+                <a:tailEnd/>
+              </a:ln>
+              <a:extLst>
+                <a:ext uri="{909E8E84-426E-40DD-AFC4-6F175D3DCCD1}">
+                  <a14:hiddenFill xmlns:a14="http://schemas.microsoft.com/office/drawing/2010/main">
+                    <a:noFill/>
+                  </a14:hiddenFill>
+                </a:ext>
+              </a:extLst>
+            </p:spPr>
+            <p:txBody>
+              <a:bodyPr wrap="none" anchor="ctr"/>
+              <a:lstStyle/>
+              <a:p>
+                <a:endParaRPr lang="en-US"/>
+              </a:p>
+            </p:txBody>
+          </p:sp>
+          <p:sp>
+            <p:nvSpPr>
+              <p:cNvPr id="64" name="Line 35">
+                <a:extLst>
+                  <a:ext uri="{FF2B5EF4-FFF2-40B4-BE49-F238E27FC236}">
+                    <a16:creationId xmlns:a16="http://schemas.microsoft.com/office/drawing/2014/main" id="{602539F4-6A39-4272-8C68-796AC73C570B}"/>
+                  </a:ext>
+                </a:extLst>
+              </p:cNvPr>
+              <p:cNvSpPr>
+                <a:spLocks noChangeShapeType="1"/>
+              </p:cNvSpPr>
+              <p:nvPr/>
+            </p:nvSpPr>
+            <p:spPr bwMode="auto">
+              <a:xfrm>
+                <a:off x="2420" y="2363"/>
+                <a:ext cx="0" cy="254"/>
+              </a:xfrm>
+              <a:prstGeom prst="line">
+                <a:avLst/>
+              </a:prstGeom>
+              <a:noFill/>
+              <a:ln w="28575">
+                <a:solidFill>
+                  <a:schemeClr val="tx1"/>
+                </a:solidFill>
+                <a:round/>
+                <a:headEnd/>
+                <a:tailEnd/>
+              </a:ln>
+              <a:extLst>
+                <a:ext uri="{909E8E84-426E-40DD-AFC4-6F175D3DCCD1}">
+                  <a14:hiddenFill xmlns:a14="http://schemas.microsoft.com/office/drawing/2010/main">
+                    <a:noFill/>
+                  </a14:hiddenFill>
+                </a:ext>
+              </a:extLst>
+            </p:spPr>
+            <p:txBody>
+              <a:bodyPr wrap="none" anchor="ctr"/>
+              <a:lstStyle/>
+              <a:p>
+                <a:endParaRPr lang="en-US"/>
+              </a:p>
+            </p:txBody>
+          </p:sp>
+          <p:sp>
+            <p:nvSpPr>
+              <p:cNvPr id="72" name="Freeform 36">
+                <a:extLst>
+                  <a:ext uri="{FF2B5EF4-FFF2-40B4-BE49-F238E27FC236}">
+                    <a16:creationId xmlns:a16="http://schemas.microsoft.com/office/drawing/2014/main" id="{A69B0037-8B53-4840-BFB2-E93940F6D1F0}"/>
+                  </a:ext>
+                </a:extLst>
+              </p:cNvPr>
+              <p:cNvSpPr>
+                <a:spLocks/>
+              </p:cNvSpPr>
+              <p:nvPr/>
+            </p:nvSpPr>
+            <p:spPr bwMode="auto">
+              <a:xfrm>
+                <a:off x="2244" y="2118"/>
+                <a:ext cx="181" cy="333"/>
+              </a:xfrm>
+              <a:custGeom>
+                <a:avLst/>
+                <a:gdLst>
+                  <a:gd name="T0" fmla="*/ 1 w 277"/>
+                  <a:gd name="T1" fmla="*/ 0 h 517"/>
+                  <a:gd name="T2" fmla="*/ 1 w 277"/>
+                  <a:gd name="T3" fmla="*/ 0 h 517"/>
+                  <a:gd name="T4" fmla="*/ 1 w 277"/>
+                  <a:gd name="T5" fmla="*/ 1 h 517"/>
+                  <a:gd name="T6" fmla="*/ 1 w 277"/>
+                  <a:gd name="T7" fmla="*/ 1 h 517"/>
+                  <a:gd name="T8" fmla="*/ 1 w 277"/>
+                  <a:gd name="T9" fmla="*/ 1 h 517"/>
+                  <a:gd name="T10" fmla="*/ 1 w 277"/>
+                  <a:gd name="T11" fmla="*/ 1 h 517"/>
+                  <a:gd name="T12" fmla="*/ 1 w 277"/>
+                  <a:gd name="T13" fmla="*/ 1 h 517"/>
+                  <a:gd name="T14" fmla="*/ 1 w 277"/>
+                  <a:gd name="T15" fmla="*/ 1 h 517"/>
+                  <a:gd name="T16" fmla="*/ 0 w 277"/>
+                  <a:gd name="T17" fmla="*/ 1 h 517"/>
+                  <a:gd name="T18" fmla="*/ 0 w 277"/>
+                  <a:gd name="T19" fmla="*/ 1 h 517"/>
+                  <a:gd name="T20" fmla="*/ 1 w 277"/>
+                  <a:gd name="T21" fmla="*/ 1 h 517"/>
+                  <a:gd name="T22" fmla="*/ 1 w 277"/>
+                  <a:gd name="T23" fmla="*/ 1 h 517"/>
+                  <a:gd name="T24" fmla="*/ 1 w 277"/>
+                  <a:gd name="T25" fmla="*/ 0 h 517"/>
+                  <a:gd name="T26" fmla="*/ 0 60000 65536"/>
+                  <a:gd name="T27" fmla="*/ 0 60000 65536"/>
+                  <a:gd name="T28" fmla="*/ 0 60000 65536"/>
+                  <a:gd name="T29" fmla="*/ 0 60000 65536"/>
+                  <a:gd name="T30" fmla="*/ 0 60000 65536"/>
+                  <a:gd name="T31" fmla="*/ 0 60000 65536"/>
+                  <a:gd name="T32" fmla="*/ 0 60000 65536"/>
+                  <a:gd name="T33" fmla="*/ 0 60000 65536"/>
+                  <a:gd name="T34" fmla="*/ 0 60000 65536"/>
+                  <a:gd name="T35" fmla="*/ 0 60000 65536"/>
+                  <a:gd name="T36" fmla="*/ 0 60000 65536"/>
+                  <a:gd name="T37" fmla="*/ 0 60000 65536"/>
+                  <a:gd name="T38" fmla="*/ 0 60000 65536"/>
+                  <a:gd name="T39" fmla="*/ 0 w 277"/>
+                  <a:gd name="T40" fmla="*/ 0 h 517"/>
+                  <a:gd name="T41" fmla="*/ 277 w 277"/>
+                  <a:gd name="T42" fmla="*/ 517 h 517"/>
+                </a:gdLst>
+                <a:ahLst/>
+                <a:cxnLst>
+                  <a:cxn ang="T26">
+                    <a:pos x="T0" y="T1"/>
+                  </a:cxn>
+                  <a:cxn ang="T27">
+                    <a:pos x="T2" y="T3"/>
+                  </a:cxn>
+                  <a:cxn ang="T28">
+                    <a:pos x="T4" y="T5"/>
+                  </a:cxn>
+                  <a:cxn ang="T29">
+                    <a:pos x="T6" y="T7"/>
+                  </a:cxn>
+                  <a:cxn ang="T30">
+                    <a:pos x="T8" y="T9"/>
+                  </a:cxn>
+                  <a:cxn ang="T31">
+                    <a:pos x="T10" y="T11"/>
+                  </a:cxn>
+                  <a:cxn ang="T32">
+                    <a:pos x="T12" y="T13"/>
+                  </a:cxn>
+                  <a:cxn ang="T33">
+                    <a:pos x="T14" y="T15"/>
+                  </a:cxn>
+                  <a:cxn ang="T34">
+                    <a:pos x="T16" y="T17"/>
+                  </a:cxn>
+                  <a:cxn ang="T35">
+                    <a:pos x="T18" y="T19"/>
+                  </a:cxn>
+                  <a:cxn ang="T36">
+                    <a:pos x="T20" y="T21"/>
+                  </a:cxn>
+                  <a:cxn ang="T37">
+                    <a:pos x="T22" y="T23"/>
+                  </a:cxn>
+                  <a:cxn ang="T38">
+                    <a:pos x="T24" y="T25"/>
+                  </a:cxn>
+                </a:cxnLst>
+                <a:rect l="T39" t="T40" r="T41" b="T42"/>
+                <a:pathLst>
+                  <a:path w="277" h="517">
+                    <a:moveTo>
+                      <a:pt x="89" y="0"/>
+                    </a:moveTo>
+                    <a:lnTo>
+                      <a:pt x="191" y="0"/>
+                    </a:lnTo>
+                    <a:lnTo>
+                      <a:pt x="191" y="105"/>
+                    </a:lnTo>
+                    <a:lnTo>
+                      <a:pt x="225" y="105"/>
+                    </a:lnTo>
+                    <a:lnTo>
+                      <a:pt x="276" y="139"/>
+                    </a:lnTo>
+                    <a:lnTo>
+                      <a:pt x="276" y="415"/>
+                    </a:lnTo>
+                    <a:lnTo>
+                      <a:pt x="225" y="516"/>
+                    </a:lnTo>
+                    <a:lnTo>
+                      <a:pt x="51" y="516"/>
+                    </a:lnTo>
+                    <a:lnTo>
+                      <a:pt x="0" y="415"/>
+                    </a:lnTo>
+                    <a:lnTo>
+                      <a:pt x="0" y="139"/>
+                    </a:lnTo>
+                    <a:lnTo>
+                      <a:pt x="51" y="105"/>
+                    </a:lnTo>
+                    <a:lnTo>
+                      <a:pt x="89" y="105"/>
+                    </a:lnTo>
+                    <a:lnTo>
+                      <a:pt x="89" y="0"/>
+                    </a:lnTo>
+                  </a:path>
+                </a:pathLst>
+              </a:custGeom>
+              <a:solidFill>
+                <a:schemeClr val="bg1"/>
+              </a:solidFill>
+              <a:ln w="12700" cap="rnd">
+                <a:solidFill>
+                  <a:schemeClr val="tx1"/>
+                </a:solidFill>
+                <a:round/>
+                <a:headEnd/>
+                <a:tailEnd/>
+              </a:ln>
+            </p:spPr>
+            <p:txBody>
+              <a:bodyPr/>
+              <a:lstStyle/>
+              <a:p>
+                <a:endParaRPr lang="en-US"/>
+              </a:p>
+            </p:txBody>
+          </p:sp>
+        </p:grpSp>
+        <p:sp>
+          <p:nvSpPr>
+            <p:cNvPr id="60" name="Freeform 32">
+              <a:extLst>
+                <a:ext uri="{FF2B5EF4-FFF2-40B4-BE49-F238E27FC236}">
+                  <a16:creationId xmlns:a16="http://schemas.microsoft.com/office/drawing/2014/main" id="{DECB1627-3DC0-4F8C-BAC4-2D84ED866CF2}"/>
+                </a:ext>
+              </a:extLst>
+            </p:cNvPr>
+            <p:cNvSpPr>
+              <a:spLocks/>
+            </p:cNvSpPr>
+            <p:nvPr/>
+          </p:nvSpPr>
+          <p:spPr bwMode="auto">
+            <a:xfrm rot="3215190">
+              <a:off x="9349267" y="3489031"/>
+              <a:ext cx="123343" cy="193674"/>
+            </a:xfrm>
+            <a:custGeom>
+              <a:avLst/>
+              <a:gdLst>
+                <a:gd name="T0" fmla="*/ 1 w 277"/>
+                <a:gd name="T1" fmla="*/ 0 h 517"/>
+                <a:gd name="T2" fmla="*/ 1 w 277"/>
+                <a:gd name="T3" fmla="*/ 0 h 517"/>
+                <a:gd name="T4" fmla="*/ 1 w 277"/>
+                <a:gd name="T5" fmla="*/ 1 h 517"/>
+                <a:gd name="T6" fmla="*/ 1 w 277"/>
+                <a:gd name="T7" fmla="*/ 1 h 517"/>
+                <a:gd name="T8" fmla="*/ 1 w 277"/>
+                <a:gd name="T9" fmla="*/ 1 h 517"/>
+                <a:gd name="T10" fmla="*/ 1 w 277"/>
+                <a:gd name="T11" fmla="*/ 1 h 517"/>
+                <a:gd name="T12" fmla="*/ 1 w 277"/>
+                <a:gd name="T13" fmla="*/ 1 h 517"/>
+                <a:gd name="T14" fmla="*/ 1 w 277"/>
+                <a:gd name="T15" fmla="*/ 1 h 517"/>
+                <a:gd name="T16" fmla="*/ 0 w 277"/>
+                <a:gd name="T17" fmla="*/ 1 h 517"/>
+                <a:gd name="T18" fmla="*/ 0 w 277"/>
+                <a:gd name="T19" fmla="*/ 1 h 517"/>
+                <a:gd name="T20" fmla="*/ 1 w 277"/>
+                <a:gd name="T21" fmla="*/ 1 h 517"/>
+                <a:gd name="T22" fmla="*/ 1 w 277"/>
+                <a:gd name="T23" fmla="*/ 1 h 517"/>
+                <a:gd name="T24" fmla="*/ 1 w 277"/>
+                <a:gd name="T25" fmla="*/ 0 h 517"/>
+                <a:gd name="T26" fmla="*/ 0 60000 65536"/>
+                <a:gd name="T27" fmla="*/ 0 60000 65536"/>
+                <a:gd name="T28" fmla="*/ 0 60000 65536"/>
+                <a:gd name="T29" fmla="*/ 0 60000 65536"/>
+                <a:gd name="T30" fmla="*/ 0 60000 65536"/>
+                <a:gd name="T31" fmla="*/ 0 60000 65536"/>
+                <a:gd name="T32" fmla="*/ 0 60000 65536"/>
+                <a:gd name="T33" fmla="*/ 0 60000 65536"/>
+                <a:gd name="T34" fmla="*/ 0 60000 65536"/>
+                <a:gd name="T35" fmla="*/ 0 60000 65536"/>
+                <a:gd name="T36" fmla="*/ 0 60000 65536"/>
+                <a:gd name="T37" fmla="*/ 0 60000 65536"/>
+                <a:gd name="T38" fmla="*/ 0 60000 65536"/>
+                <a:gd name="T39" fmla="*/ 0 w 277"/>
+                <a:gd name="T40" fmla="*/ 0 h 517"/>
+                <a:gd name="T41" fmla="*/ 277 w 277"/>
+                <a:gd name="T42" fmla="*/ 517 h 517"/>
+              </a:gdLst>
+              <a:ahLst/>
+              <a:cxnLst>
+                <a:cxn ang="T26">
+                  <a:pos x="T0" y="T1"/>
+                </a:cxn>
+                <a:cxn ang="T27">
+                  <a:pos x="T2" y="T3"/>
+                </a:cxn>
+                <a:cxn ang="T28">
+                  <a:pos x="T4" y="T5"/>
+                </a:cxn>
+                <a:cxn ang="T29">
+                  <a:pos x="T6" y="T7"/>
+                </a:cxn>
+                <a:cxn ang="T30">
+                  <a:pos x="T8" y="T9"/>
+                </a:cxn>
+                <a:cxn ang="T31">
+                  <a:pos x="T10" y="T11"/>
+                </a:cxn>
+                <a:cxn ang="T32">
+                  <a:pos x="T12" y="T13"/>
+                </a:cxn>
+                <a:cxn ang="T33">
+                  <a:pos x="T14" y="T15"/>
+                </a:cxn>
+                <a:cxn ang="T34">
+                  <a:pos x="T16" y="T17"/>
+                </a:cxn>
+                <a:cxn ang="T35">
+                  <a:pos x="T18" y="T19"/>
+                </a:cxn>
+                <a:cxn ang="T36">
+                  <a:pos x="T20" y="T21"/>
+                </a:cxn>
+                <a:cxn ang="T37">
+                  <a:pos x="T22" y="T23"/>
+                </a:cxn>
+                <a:cxn ang="T38">
+                  <a:pos x="T24" y="T25"/>
+                </a:cxn>
+              </a:cxnLst>
+              <a:rect l="T39" t="T40" r="T41" b="T42"/>
+              <a:pathLst>
+                <a:path w="277" h="517">
+                  <a:moveTo>
+                    <a:pt x="89" y="0"/>
+                  </a:moveTo>
+                  <a:lnTo>
+                    <a:pt x="191" y="0"/>
+                  </a:lnTo>
+                  <a:lnTo>
+                    <a:pt x="191" y="105"/>
+                  </a:lnTo>
+                  <a:lnTo>
+                    <a:pt x="225" y="105"/>
+                  </a:lnTo>
+                  <a:lnTo>
+                    <a:pt x="276" y="139"/>
+                  </a:lnTo>
+                  <a:lnTo>
+                    <a:pt x="276" y="415"/>
+                  </a:lnTo>
+                  <a:lnTo>
+                    <a:pt x="225" y="516"/>
+                  </a:lnTo>
+                  <a:lnTo>
+                    <a:pt x="51" y="516"/>
+                  </a:lnTo>
+                  <a:lnTo>
+                    <a:pt x="0" y="415"/>
+                  </a:lnTo>
+                  <a:lnTo>
+                    <a:pt x="0" y="139"/>
+                  </a:lnTo>
+                  <a:lnTo>
+                    <a:pt x="51" y="105"/>
+                  </a:lnTo>
+                  <a:lnTo>
+                    <a:pt x="89" y="105"/>
+                  </a:lnTo>
+                  <a:lnTo>
+                    <a:pt x="89" y="0"/>
+                  </a:lnTo>
+                </a:path>
+              </a:pathLst>
+            </a:custGeom>
+            <a:solidFill>
+              <a:srgbClr val="FFCC99"/>
+            </a:solidFill>
+            <a:ln w="12700" cap="rnd">
+              <a:solidFill>
+                <a:schemeClr val="tx1"/>
+              </a:solidFill>
+              <a:round/>
+              <a:headEnd/>
+              <a:tailEnd/>
+            </a:ln>
+          </p:spPr>
+          <p:txBody>
+            <a:bodyPr/>
+            <a:lstStyle/>
+            <a:p>
+              <a:endParaRPr lang="en-US"/>
+            </a:p>
+          </p:txBody>
+        </p:sp>
+        <p:sp>
+          <p:nvSpPr>
+            <p:cNvPr id="62" name="Freeform 32">
+              <a:extLst>
+                <a:ext uri="{FF2B5EF4-FFF2-40B4-BE49-F238E27FC236}">
+                  <a16:creationId xmlns:a16="http://schemas.microsoft.com/office/drawing/2014/main" id="{F49E52F0-2955-479D-A1DC-94F47D90C322}"/>
+                </a:ext>
+              </a:extLst>
+            </p:cNvPr>
+            <p:cNvSpPr>
+              <a:spLocks/>
+            </p:cNvSpPr>
+            <p:nvPr/>
+          </p:nvSpPr>
+          <p:spPr bwMode="auto">
+            <a:xfrm rot="19003436">
+              <a:off x="9377089" y="3700673"/>
+              <a:ext cx="123343" cy="193674"/>
+            </a:xfrm>
+            <a:custGeom>
+              <a:avLst/>
+              <a:gdLst>
+                <a:gd name="T0" fmla="*/ 1 w 277"/>
+                <a:gd name="T1" fmla="*/ 0 h 517"/>
+                <a:gd name="T2" fmla="*/ 1 w 277"/>
+                <a:gd name="T3" fmla="*/ 0 h 517"/>
+                <a:gd name="T4" fmla="*/ 1 w 277"/>
+                <a:gd name="T5" fmla="*/ 1 h 517"/>
+                <a:gd name="T6" fmla="*/ 1 w 277"/>
+                <a:gd name="T7" fmla="*/ 1 h 517"/>
+                <a:gd name="T8" fmla="*/ 1 w 277"/>
+                <a:gd name="T9" fmla="*/ 1 h 517"/>
+                <a:gd name="T10" fmla="*/ 1 w 277"/>
+                <a:gd name="T11" fmla="*/ 1 h 517"/>
+                <a:gd name="T12" fmla="*/ 1 w 277"/>
+                <a:gd name="T13" fmla="*/ 1 h 517"/>
+                <a:gd name="T14" fmla="*/ 1 w 277"/>
+                <a:gd name="T15" fmla="*/ 1 h 517"/>
+                <a:gd name="T16" fmla="*/ 0 w 277"/>
+                <a:gd name="T17" fmla="*/ 1 h 517"/>
+                <a:gd name="T18" fmla="*/ 0 w 277"/>
+                <a:gd name="T19" fmla="*/ 1 h 517"/>
+                <a:gd name="T20" fmla="*/ 1 w 277"/>
+                <a:gd name="T21" fmla="*/ 1 h 517"/>
+                <a:gd name="T22" fmla="*/ 1 w 277"/>
+                <a:gd name="T23" fmla="*/ 1 h 517"/>
+                <a:gd name="T24" fmla="*/ 1 w 277"/>
+                <a:gd name="T25" fmla="*/ 0 h 517"/>
+                <a:gd name="T26" fmla="*/ 0 60000 65536"/>
+                <a:gd name="T27" fmla="*/ 0 60000 65536"/>
+                <a:gd name="T28" fmla="*/ 0 60000 65536"/>
+                <a:gd name="T29" fmla="*/ 0 60000 65536"/>
+                <a:gd name="T30" fmla="*/ 0 60000 65536"/>
+                <a:gd name="T31" fmla="*/ 0 60000 65536"/>
+                <a:gd name="T32" fmla="*/ 0 60000 65536"/>
+                <a:gd name="T33" fmla="*/ 0 60000 65536"/>
+                <a:gd name="T34" fmla="*/ 0 60000 65536"/>
+                <a:gd name="T35" fmla="*/ 0 60000 65536"/>
+                <a:gd name="T36" fmla="*/ 0 60000 65536"/>
+                <a:gd name="T37" fmla="*/ 0 60000 65536"/>
+                <a:gd name="T38" fmla="*/ 0 60000 65536"/>
+                <a:gd name="T39" fmla="*/ 0 w 277"/>
+                <a:gd name="T40" fmla="*/ 0 h 517"/>
+                <a:gd name="T41" fmla="*/ 277 w 277"/>
+                <a:gd name="T42" fmla="*/ 517 h 517"/>
+              </a:gdLst>
+              <a:ahLst/>
+              <a:cxnLst>
+                <a:cxn ang="T26">
+                  <a:pos x="T0" y="T1"/>
+                </a:cxn>
+                <a:cxn ang="T27">
+                  <a:pos x="T2" y="T3"/>
+                </a:cxn>
+                <a:cxn ang="T28">
+                  <a:pos x="T4" y="T5"/>
+                </a:cxn>
+                <a:cxn ang="T29">
+                  <a:pos x="T6" y="T7"/>
+                </a:cxn>
+                <a:cxn ang="T30">
+                  <a:pos x="T8" y="T9"/>
+                </a:cxn>
+                <a:cxn ang="T31">
+                  <a:pos x="T10" y="T11"/>
+                </a:cxn>
+                <a:cxn ang="T32">
+                  <a:pos x="T12" y="T13"/>
+                </a:cxn>
+                <a:cxn ang="T33">
+                  <a:pos x="T14" y="T15"/>
+                </a:cxn>
+                <a:cxn ang="T34">
+                  <a:pos x="T16" y="T17"/>
+                </a:cxn>
+                <a:cxn ang="T35">
+                  <a:pos x="T18" y="T19"/>
+                </a:cxn>
+                <a:cxn ang="T36">
+                  <a:pos x="T20" y="T21"/>
+                </a:cxn>
+                <a:cxn ang="T37">
+                  <a:pos x="T22" y="T23"/>
+                </a:cxn>
+                <a:cxn ang="T38">
+                  <a:pos x="T24" y="T25"/>
+                </a:cxn>
+              </a:cxnLst>
+              <a:rect l="T39" t="T40" r="T41" b="T42"/>
+              <a:pathLst>
+                <a:path w="277" h="517">
+                  <a:moveTo>
+                    <a:pt x="89" y="0"/>
+                  </a:moveTo>
+                  <a:lnTo>
+                    <a:pt x="191" y="0"/>
+                  </a:lnTo>
+                  <a:lnTo>
+                    <a:pt x="191" y="105"/>
+                  </a:lnTo>
+                  <a:lnTo>
+                    <a:pt x="225" y="105"/>
+                  </a:lnTo>
+                  <a:lnTo>
+                    <a:pt x="276" y="139"/>
+                  </a:lnTo>
+                  <a:lnTo>
+                    <a:pt x="276" y="415"/>
+                  </a:lnTo>
+                  <a:lnTo>
+                    <a:pt x="225" y="516"/>
+                  </a:lnTo>
+                  <a:lnTo>
+                    <a:pt x="51" y="516"/>
+                  </a:lnTo>
+                  <a:lnTo>
+                    <a:pt x="0" y="415"/>
+                  </a:lnTo>
+                  <a:lnTo>
+                    <a:pt x="0" y="139"/>
+                  </a:lnTo>
+                  <a:lnTo>
+                    <a:pt x="51" y="105"/>
+                  </a:lnTo>
+                  <a:lnTo>
+                    <a:pt x="89" y="105"/>
+                  </a:lnTo>
+                  <a:lnTo>
+                    <a:pt x="89" y="0"/>
+                  </a:lnTo>
+                </a:path>
+              </a:pathLst>
+            </a:custGeom>
+            <a:solidFill>
+              <a:srgbClr val="FFCC99"/>
+            </a:solidFill>
+            <a:ln w="12700" cap="rnd">
+              <a:solidFill>
+                <a:schemeClr val="tx1"/>
+              </a:solidFill>
+              <a:round/>
+              <a:headEnd/>
+              <a:tailEnd/>
+            </a:ln>
+          </p:spPr>
+          <p:txBody>
+            <a:bodyPr/>
+            <a:lstStyle/>
+            <a:p>
+              <a:endParaRPr lang="en-US"/>
+            </a:p>
+          </p:txBody>
+        </p:sp>
+      </p:grpSp>
+      <p:grpSp>
+        <p:nvGrpSpPr>
+          <p:cNvPr id="75" name="Group 74">
+            <a:extLst>
+              <a:ext uri="{FF2B5EF4-FFF2-40B4-BE49-F238E27FC236}">
+                <a16:creationId xmlns:a16="http://schemas.microsoft.com/office/drawing/2014/main" id="{83CA85B0-24E8-40F0-9A02-2E1424F41EEC}"/>
+              </a:ext>
+            </a:extLst>
+          </p:cNvPr>
+          <p:cNvGrpSpPr/>
+          <p:nvPr/>
+        </p:nvGrpSpPr>
+        <p:grpSpPr>
+          <a:xfrm>
+            <a:off x="3470653" y="3790856"/>
+            <a:ext cx="147062" cy="515906"/>
+            <a:chOff x="3505200" y="4519097"/>
+            <a:chExt cx="147062" cy="515906"/>
+          </a:xfrm>
+        </p:grpSpPr>
+        <p:sp>
+          <p:nvSpPr>
+            <p:cNvPr id="97" name="Line 30">
+              <a:extLst>
+                <a:ext uri="{FF2B5EF4-FFF2-40B4-BE49-F238E27FC236}">
+                  <a16:creationId xmlns:a16="http://schemas.microsoft.com/office/drawing/2014/main" id="{36FB7DCD-DA2D-463A-90A0-BE271A0807E2}"/>
+                </a:ext>
+              </a:extLst>
+            </p:cNvPr>
+            <p:cNvSpPr>
+              <a:spLocks noChangeShapeType="1"/>
+            </p:cNvSpPr>
+            <p:nvPr/>
+          </p:nvSpPr>
+          <p:spPr bwMode="auto">
+            <a:xfrm>
+              <a:off x="3505200" y="4633365"/>
+              <a:ext cx="0" cy="401638"/>
+            </a:xfrm>
+            <a:prstGeom prst="line">
+              <a:avLst/>
+            </a:prstGeom>
+            <a:noFill/>
+            <a:ln w="28575">
+              <a:solidFill>
+                <a:schemeClr val="tx1"/>
+              </a:solidFill>
+              <a:round/>
+              <a:headEnd/>
+              <a:tailEnd/>
+            </a:ln>
+            <a:extLst>
+              <a:ext uri="{909E8E84-426E-40DD-AFC4-6F175D3DCCD1}">
+                <a14:hiddenFill xmlns:a14="http://schemas.microsoft.com/office/drawing/2010/main">
+                  <a:noFill/>
+                </a14:hiddenFill>
+              </a:ext>
+            </a:extLst>
+          </p:spPr>
+          <p:txBody>
+            <a:bodyPr wrap="none" anchor="ctr"/>
+            <a:lstStyle/>
+            <a:p>
+              <a:endParaRPr lang="en-US"/>
+            </a:p>
+          </p:txBody>
+        </p:sp>
+        <p:sp>
+          <p:nvSpPr>
+            <p:cNvPr id="98" name="Line 31">
+              <a:extLst>
+                <a:ext uri="{FF2B5EF4-FFF2-40B4-BE49-F238E27FC236}">
+                  <a16:creationId xmlns:a16="http://schemas.microsoft.com/office/drawing/2014/main" id="{C394069F-78CC-4F21-8D81-16C178CBC6F6}"/>
+                </a:ext>
+              </a:extLst>
+            </p:cNvPr>
+            <p:cNvSpPr>
+              <a:spLocks noChangeShapeType="1"/>
+            </p:cNvSpPr>
+            <p:nvPr/>
+          </p:nvSpPr>
+          <p:spPr bwMode="auto">
+            <a:xfrm>
+              <a:off x="3652262" y="4633365"/>
+              <a:ext cx="0" cy="401638"/>
+            </a:xfrm>
+            <a:prstGeom prst="line">
+              <a:avLst/>
+            </a:prstGeom>
+            <a:noFill/>
+            <a:ln w="28575">
+              <a:solidFill>
+                <a:schemeClr val="tx1"/>
+              </a:solidFill>
+              <a:round/>
+              <a:headEnd/>
+              <a:tailEnd/>
+            </a:ln>
+            <a:extLst>
+              <a:ext uri="{909E8E84-426E-40DD-AFC4-6F175D3DCCD1}">
+                <a14:hiddenFill xmlns:a14="http://schemas.microsoft.com/office/drawing/2010/main">
+                  <a:noFill/>
+                </a14:hiddenFill>
+              </a:ext>
+            </a:extLst>
+          </p:spPr>
+          <p:txBody>
+            <a:bodyPr wrap="none" anchor="ctr"/>
+            <a:lstStyle/>
+            <a:p>
+              <a:endParaRPr lang="en-US"/>
+            </a:p>
+          </p:txBody>
+        </p:sp>
+        <p:sp>
+          <p:nvSpPr>
+            <p:cNvPr id="99" name="Freeform 32">
+              <a:extLst>
+                <a:ext uri="{FF2B5EF4-FFF2-40B4-BE49-F238E27FC236}">
+                  <a16:creationId xmlns:a16="http://schemas.microsoft.com/office/drawing/2014/main" id="{FF299B5C-D7E9-4881-90AC-495F68BEE1A9}"/>
+                </a:ext>
+              </a:extLst>
+            </p:cNvPr>
+            <p:cNvSpPr>
+              <a:spLocks/>
+            </p:cNvSpPr>
+            <p:nvPr/>
+          </p:nvSpPr>
+          <p:spPr bwMode="auto">
+            <a:xfrm>
+              <a:off x="3519295" y="4519097"/>
+              <a:ext cx="123343" cy="193674"/>
+            </a:xfrm>
+            <a:custGeom>
+              <a:avLst/>
+              <a:gdLst>
+                <a:gd name="T0" fmla="*/ 1 w 277"/>
+                <a:gd name="T1" fmla="*/ 0 h 517"/>
+                <a:gd name="T2" fmla="*/ 1 w 277"/>
+                <a:gd name="T3" fmla="*/ 0 h 517"/>
+                <a:gd name="T4" fmla="*/ 1 w 277"/>
+                <a:gd name="T5" fmla="*/ 1 h 517"/>
+                <a:gd name="T6" fmla="*/ 1 w 277"/>
+                <a:gd name="T7" fmla="*/ 1 h 517"/>
+                <a:gd name="T8" fmla="*/ 1 w 277"/>
+                <a:gd name="T9" fmla="*/ 1 h 517"/>
+                <a:gd name="T10" fmla="*/ 1 w 277"/>
+                <a:gd name="T11" fmla="*/ 1 h 517"/>
+                <a:gd name="T12" fmla="*/ 1 w 277"/>
+                <a:gd name="T13" fmla="*/ 1 h 517"/>
+                <a:gd name="T14" fmla="*/ 1 w 277"/>
+                <a:gd name="T15" fmla="*/ 1 h 517"/>
+                <a:gd name="T16" fmla="*/ 0 w 277"/>
+                <a:gd name="T17" fmla="*/ 1 h 517"/>
+                <a:gd name="T18" fmla="*/ 0 w 277"/>
+                <a:gd name="T19" fmla="*/ 1 h 517"/>
+                <a:gd name="T20" fmla="*/ 1 w 277"/>
+                <a:gd name="T21" fmla="*/ 1 h 517"/>
+                <a:gd name="T22" fmla="*/ 1 w 277"/>
+                <a:gd name="T23" fmla="*/ 1 h 517"/>
+                <a:gd name="T24" fmla="*/ 1 w 277"/>
+                <a:gd name="T25" fmla="*/ 0 h 517"/>
+                <a:gd name="T26" fmla="*/ 0 60000 65536"/>
+                <a:gd name="T27" fmla="*/ 0 60000 65536"/>
+                <a:gd name="T28" fmla="*/ 0 60000 65536"/>
+                <a:gd name="T29" fmla="*/ 0 60000 65536"/>
+                <a:gd name="T30" fmla="*/ 0 60000 65536"/>
+                <a:gd name="T31" fmla="*/ 0 60000 65536"/>
+                <a:gd name="T32" fmla="*/ 0 60000 65536"/>
+                <a:gd name="T33" fmla="*/ 0 60000 65536"/>
+                <a:gd name="T34" fmla="*/ 0 60000 65536"/>
+                <a:gd name="T35" fmla="*/ 0 60000 65536"/>
+                <a:gd name="T36" fmla="*/ 0 60000 65536"/>
+                <a:gd name="T37" fmla="*/ 0 60000 65536"/>
+                <a:gd name="T38" fmla="*/ 0 60000 65536"/>
+                <a:gd name="T39" fmla="*/ 0 w 277"/>
+                <a:gd name="T40" fmla="*/ 0 h 517"/>
+                <a:gd name="T41" fmla="*/ 277 w 277"/>
+                <a:gd name="T42" fmla="*/ 517 h 517"/>
+              </a:gdLst>
+              <a:ahLst/>
+              <a:cxnLst>
+                <a:cxn ang="T26">
+                  <a:pos x="T0" y="T1"/>
+                </a:cxn>
+                <a:cxn ang="T27">
+                  <a:pos x="T2" y="T3"/>
+                </a:cxn>
+                <a:cxn ang="T28">
+                  <a:pos x="T4" y="T5"/>
+                </a:cxn>
+                <a:cxn ang="T29">
+                  <a:pos x="T6" y="T7"/>
+                </a:cxn>
+                <a:cxn ang="T30">
+                  <a:pos x="T8" y="T9"/>
+                </a:cxn>
+                <a:cxn ang="T31">
+                  <a:pos x="T10" y="T11"/>
+                </a:cxn>
+                <a:cxn ang="T32">
+                  <a:pos x="T12" y="T13"/>
+                </a:cxn>
+                <a:cxn ang="T33">
+                  <a:pos x="T14" y="T15"/>
+                </a:cxn>
+                <a:cxn ang="T34">
+                  <a:pos x="T16" y="T17"/>
+                </a:cxn>
+                <a:cxn ang="T35">
+                  <a:pos x="T18" y="T19"/>
+                </a:cxn>
+                <a:cxn ang="T36">
+                  <a:pos x="T20" y="T21"/>
+                </a:cxn>
+                <a:cxn ang="T37">
+                  <a:pos x="T22" y="T23"/>
+                </a:cxn>
+                <a:cxn ang="T38">
+                  <a:pos x="T24" y="T25"/>
+                </a:cxn>
+              </a:cxnLst>
+              <a:rect l="T39" t="T40" r="T41" b="T42"/>
+              <a:pathLst>
+                <a:path w="277" h="517">
+                  <a:moveTo>
+                    <a:pt x="89" y="0"/>
+                  </a:moveTo>
+                  <a:lnTo>
+                    <a:pt x="191" y="0"/>
+                  </a:lnTo>
+                  <a:lnTo>
+                    <a:pt x="191" y="105"/>
+                  </a:lnTo>
+                  <a:lnTo>
+                    <a:pt x="225" y="105"/>
+                  </a:lnTo>
+                  <a:lnTo>
+                    <a:pt x="276" y="139"/>
+                  </a:lnTo>
+                  <a:lnTo>
+                    <a:pt x="276" y="415"/>
+                  </a:lnTo>
+                  <a:lnTo>
+                    <a:pt x="225" y="516"/>
+                  </a:lnTo>
+                  <a:lnTo>
+                    <a:pt x="51" y="516"/>
+                  </a:lnTo>
+                  <a:lnTo>
+                    <a:pt x="0" y="415"/>
+                  </a:lnTo>
+                  <a:lnTo>
+                    <a:pt x="0" y="139"/>
+                  </a:lnTo>
+                  <a:lnTo>
+                    <a:pt x="51" y="105"/>
+                  </a:lnTo>
+                  <a:lnTo>
+                    <a:pt x="89" y="105"/>
+                  </a:lnTo>
+                  <a:lnTo>
+                    <a:pt x="89" y="0"/>
+                  </a:lnTo>
+                </a:path>
+              </a:pathLst>
+            </a:custGeom>
+            <a:solidFill>
+              <a:srgbClr val="FFCC99"/>
+            </a:solidFill>
+            <a:ln w="12700" cap="rnd">
+              <a:solidFill>
+                <a:schemeClr val="tx1"/>
+              </a:solidFill>
+              <a:round/>
+              <a:headEnd/>
+              <a:tailEnd/>
+            </a:ln>
+          </p:spPr>
+          <p:txBody>
+            <a:bodyPr/>
+            <a:lstStyle/>
+            <a:p>
+              <a:endParaRPr lang="en-US"/>
+            </a:p>
+          </p:txBody>
+        </p:sp>
+      </p:grpSp>
+      <p:grpSp>
+        <p:nvGrpSpPr>
+          <p:cNvPr id="100" name="Group 99">
+            <a:extLst>
+              <a:ext uri="{FF2B5EF4-FFF2-40B4-BE49-F238E27FC236}">
+                <a16:creationId xmlns:a16="http://schemas.microsoft.com/office/drawing/2014/main" id="{3A23335F-E74B-45B2-A9E3-15A5FB28478F}"/>
+              </a:ext>
+            </a:extLst>
+          </p:cNvPr>
+          <p:cNvGrpSpPr/>
+          <p:nvPr/>
+        </p:nvGrpSpPr>
+        <p:grpSpPr>
+          <a:xfrm>
+            <a:off x="4495100" y="3821222"/>
+            <a:ext cx="290513" cy="787400"/>
+            <a:chOff x="9296400" y="3392569"/>
+            <a:chExt cx="290513" cy="787400"/>
+          </a:xfrm>
+        </p:grpSpPr>
+        <p:grpSp>
+          <p:nvGrpSpPr>
+            <p:cNvPr id="101" name="Group 33">
+              <a:extLst>
+                <a:ext uri="{FF2B5EF4-FFF2-40B4-BE49-F238E27FC236}">
+                  <a16:creationId xmlns:a16="http://schemas.microsoft.com/office/drawing/2014/main" id="{6B397F5B-7926-44C5-82E3-D1D101001FD3}"/>
+                </a:ext>
+              </a:extLst>
+            </p:cNvPr>
+            <p:cNvGrpSpPr>
+              <a:grpSpLocks/>
+            </p:cNvGrpSpPr>
+            <p:nvPr/>
+          </p:nvGrpSpPr>
+          <p:grpSpPr bwMode="auto">
+            <a:xfrm>
+              <a:off x="9296400" y="3392569"/>
+              <a:ext cx="290513" cy="787400"/>
+              <a:chOff x="2244" y="2118"/>
+              <a:chExt cx="181" cy="499"/>
+            </a:xfrm>
+          </p:grpSpPr>
+          <p:sp>
+            <p:nvSpPr>
+              <p:cNvPr id="104" name="Line 34">
+                <a:extLst>
+                  <a:ext uri="{FF2B5EF4-FFF2-40B4-BE49-F238E27FC236}">
+                    <a16:creationId xmlns:a16="http://schemas.microsoft.com/office/drawing/2014/main" id="{D0E9F533-9E81-4419-BF64-839A622310AB}"/>
+                  </a:ext>
+                </a:extLst>
+              </p:cNvPr>
+              <p:cNvSpPr>
+                <a:spLocks noChangeShapeType="1"/>
+              </p:cNvSpPr>
+              <p:nvPr/>
+            </p:nvSpPr>
+            <p:spPr bwMode="auto">
+              <a:xfrm>
+                <a:off x="2251" y="2363"/>
+                <a:ext cx="0" cy="254"/>
+              </a:xfrm>
+              <a:prstGeom prst="line">
+                <a:avLst/>
+              </a:prstGeom>
+              <a:noFill/>
+              <a:ln w="28575">
+                <a:solidFill>
+                  <a:schemeClr val="tx1"/>
+                </a:solidFill>
+                <a:round/>
+                <a:headEnd/>
+                <a:tailEnd/>
+              </a:ln>
+              <a:extLst>
+                <a:ext uri="{909E8E84-426E-40DD-AFC4-6F175D3DCCD1}">
+                  <a14:hiddenFill xmlns:a14="http://schemas.microsoft.com/office/drawing/2010/main">
+                    <a:noFill/>
+                  </a14:hiddenFill>
+                </a:ext>
+              </a:extLst>
+            </p:spPr>
+            <p:txBody>
+              <a:bodyPr wrap="none" anchor="ctr"/>
+              <a:lstStyle/>
+              <a:p>
+                <a:endParaRPr lang="en-US"/>
+              </a:p>
+            </p:txBody>
+          </p:sp>
+          <p:sp>
+            <p:nvSpPr>
+              <p:cNvPr id="105" name="Line 35">
+                <a:extLst>
+                  <a:ext uri="{FF2B5EF4-FFF2-40B4-BE49-F238E27FC236}">
+                    <a16:creationId xmlns:a16="http://schemas.microsoft.com/office/drawing/2014/main" id="{11BBD00B-17DF-41AA-B267-4069B8E38887}"/>
+                  </a:ext>
+                </a:extLst>
+              </p:cNvPr>
+              <p:cNvSpPr>
+                <a:spLocks noChangeShapeType="1"/>
+              </p:cNvSpPr>
+              <p:nvPr/>
+            </p:nvSpPr>
+            <p:spPr bwMode="auto">
+              <a:xfrm>
+                <a:off x="2420" y="2363"/>
+                <a:ext cx="0" cy="254"/>
+              </a:xfrm>
+              <a:prstGeom prst="line">
+                <a:avLst/>
+              </a:prstGeom>
+              <a:noFill/>
+              <a:ln w="28575">
+                <a:solidFill>
+                  <a:schemeClr val="tx1"/>
+                </a:solidFill>
+                <a:round/>
+                <a:headEnd/>
+                <a:tailEnd/>
+              </a:ln>
+              <a:extLst>
+                <a:ext uri="{909E8E84-426E-40DD-AFC4-6F175D3DCCD1}">
+                  <a14:hiddenFill xmlns:a14="http://schemas.microsoft.com/office/drawing/2010/main">
+                    <a:noFill/>
+                  </a14:hiddenFill>
+                </a:ext>
+              </a:extLst>
+            </p:spPr>
+            <p:txBody>
+              <a:bodyPr wrap="none" anchor="ctr"/>
+              <a:lstStyle/>
+              <a:p>
+                <a:endParaRPr lang="en-US"/>
+              </a:p>
+            </p:txBody>
+          </p:sp>
+          <p:sp>
+            <p:nvSpPr>
+              <p:cNvPr id="106" name="Freeform 36">
+                <a:extLst>
+                  <a:ext uri="{FF2B5EF4-FFF2-40B4-BE49-F238E27FC236}">
+                    <a16:creationId xmlns:a16="http://schemas.microsoft.com/office/drawing/2014/main" id="{4F25872C-E312-4D5F-A331-5CE5E11F993E}"/>
+                  </a:ext>
+                </a:extLst>
+              </p:cNvPr>
+              <p:cNvSpPr>
+                <a:spLocks/>
+              </p:cNvSpPr>
+              <p:nvPr/>
+            </p:nvSpPr>
+            <p:spPr bwMode="auto">
+              <a:xfrm>
+                <a:off x="2244" y="2118"/>
+                <a:ext cx="181" cy="333"/>
+              </a:xfrm>
+              <a:custGeom>
+                <a:avLst/>
+                <a:gdLst>
+                  <a:gd name="T0" fmla="*/ 1 w 277"/>
+                  <a:gd name="T1" fmla="*/ 0 h 517"/>
+                  <a:gd name="T2" fmla="*/ 1 w 277"/>
+                  <a:gd name="T3" fmla="*/ 0 h 517"/>
+                  <a:gd name="T4" fmla="*/ 1 w 277"/>
+                  <a:gd name="T5" fmla="*/ 1 h 517"/>
+                  <a:gd name="T6" fmla="*/ 1 w 277"/>
+                  <a:gd name="T7" fmla="*/ 1 h 517"/>
+                  <a:gd name="T8" fmla="*/ 1 w 277"/>
+                  <a:gd name="T9" fmla="*/ 1 h 517"/>
+                  <a:gd name="T10" fmla="*/ 1 w 277"/>
+                  <a:gd name="T11" fmla="*/ 1 h 517"/>
+                  <a:gd name="T12" fmla="*/ 1 w 277"/>
+                  <a:gd name="T13" fmla="*/ 1 h 517"/>
+                  <a:gd name="T14" fmla="*/ 1 w 277"/>
+                  <a:gd name="T15" fmla="*/ 1 h 517"/>
+                  <a:gd name="T16" fmla="*/ 0 w 277"/>
+                  <a:gd name="T17" fmla="*/ 1 h 517"/>
+                  <a:gd name="T18" fmla="*/ 0 w 277"/>
+                  <a:gd name="T19" fmla="*/ 1 h 517"/>
+                  <a:gd name="T20" fmla="*/ 1 w 277"/>
+                  <a:gd name="T21" fmla="*/ 1 h 517"/>
+                  <a:gd name="T22" fmla="*/ 1 w 277"/>
+                  <a:gd name="T23" fmla="*/ 1 h 517"/>
+                  <a:gd name="T24" fmla="*/ 1 w 277"/>
+                  <a:gd name="T25" fmla="*/ 0 h 517"/>
+                  <a:gd name="T26" fmla="*/ 0 60000 65536"/>
+                  <a:gd name="T27" fmla="*/ 0 60000 65536"/>
+                  <a:gd name="T28" fmla="*/ 0 60000 65536"/>
+                  <a:gd name="T29" fmla="*/ 0 60000 65536"/>
+                  <a:gd name="T30" fmla="*/ 0 60000 65536"/>
+                  <a:gd name="T31" fmla="*/ 0 60000 65536"/>
+                  <a:gd name="T32" fmla="*/ 0 60000 65536"/>
+                  <a:gd name="T33" fmla="*/ 0 60000 65536"/>
+                  <a:gd name="T34" fmla="*/ 0 60000 65536"/>
+                  <a:gd name="T35" fmla="*/ 0 60000 65536"/>
+                  <a:gd name="T36" fmla="*/ 0 60000 65536"/>
+                  <a:gd name="T37" fmla="*/ 0 60000 65536"/>
+                  <a:gd name="T38" fmla="*/ 0 60000 65536"/>
+                  <a:gd name="T39" fmla="*/ 0 w 277"/>
+                  <a:gd name="T40" fmla="*/ 0 h 517"/>
+                  <a:gd name="T41" fmla="*/ 277 w 277"/>
+                  <a:gd name="T42" fmla="*/ 517 h 517"/>
+                </a:gdLst>
+                <a:ahLst/>
+                <a:cxnLst>
+                  <a:cxn ang="T26">
+                    <a:pos x="T0" y="T1"/>
+                  </a:cxn>
+                  <a:cxn ang="T27">
+                    <a:pos x="T2" y="T3"/>
+                  </a:cxn>
+                  <a:cxn ang="T28">
+                    <a:pos x="T4" y="T5"/>
+                  </a:cxn>
+                  <a:cxn ang="T29">
+                    <a:pos x="T6" y="T7"/>
+                  </a:cxn>
+                  <a:cxn ang="T30">
+                    <a:pos x="T8" y="T9"/>
+                  </a:cxn>
+                  <a:cxn ang="T31">
+                    <a:pos x="T10" y="T11"/>
+                  </a:cxn>
+                  <a:cxn ang="T32">
+                    <a:pos x="T12" y="T13"/>
+                  </a:cxn>
+                  <a:cxn ang="T33">
+                    <a:pos x="T14" y="T15"/>
+                  </a:cxn>
+                  <a:cxn ang="T34">
+                    <a:pos x="T16" y="T17"/>
+                  </a:cxn>
+                  <a:cxn ang="T35">
+                    <a:pos x="T18" y="T19"/>
+                  </a:cxn>
+                  <a:cxn ang="T36">
+                    <a:pos x="T20" y="T21"/>
+                  </a:cxn>
+                  <a:cxn ang="T37">
+                    <a:pos x="T22" y="T23"/>
+                  </a:cxn>
+                  <a:cxn ang="T38">
+                    <a:pos x="T24" y="T25"/>
+                  </a:cxn>
+                </a:cxnLst>
+                <a:rect l="T39" t="T40" r="T41" b="T42"/>
+                <a:pathLst>
+                  <a:path w="277" h="517">
+                    <a:moveTo>
+                      <a:pt x="89" y="0"/>
+                    </a:moveTo>
+                    <a:lnTo>
+                      <a:pt x="191" y="0"/>
+                    </a:lnTo>
+                    <a:lnTo>
+                      <a:pt x="191" y="105"/>
+                    </a:lnTo>
+                    <a:lnTo>
+                      <a:pt x="225" y="105"/>
+                    </a:lnTo>
+                    <a:lnTo>
+                      <a:pt x="276" y="139"/>
+                    </a:lnTo>
+                    <a:lnTo>
+                      <a:pt x="276" y="415"/>
+                    </a:lnTo>
+                    <a:lnTo>
+                      <a:pt x="225" y="516"/>
+                    </a:lnTo>
+                    <a:lnTo>
+                      <a:pt x="51" y="516"/>
+                    </a:lnTo>
+                    <a:lnTo>
+                      <a:pt x="0" y="415"/>
+                    </a:lnTo>
+                    <a:lnTo>
+                      <a:pt x="0" y="139"/>
+                    </a:lnTo>
+                    <a:lnTo>
+                      <a:pt x="51" y="105"/>
+                    </a:lnTo>
+                    <a:lnTo>
+                      <a:pt x="89" y="105"/>
+                    </a:lnTo>
+                    <a:lnTo>
+                      <a:pt x="89" y="0"/>
+                    </a:lnTo>
+                  </a:path>
+                </a:pathLst>
+              </a:custGeom>
+              <a:solidFill>
+                <a:schemeClr val="bg1"/>
+              </a:solidFill>
+              <a:ln w="12700" cap="rnd">
+                <a:solidFill>
+                  <a:schemeClr val="tx1"/>
+                </a:solidFill>
+                <a:round/>
+                <a:headEnd/>
+                <a:tailEnd/>
+              </a:ln>
+            </p:spPr>
+            <p:txBody>
+              <a:bodyPr/>
+              <a:lstStyle/>
+              <a:p>
+                <a:endParaRPr lang="en-US"/>
+              </a:p>
+            </p:txBody>
+          </p:sp>
+        </p:grpSp>
+        <p:sp>
+          <p:nvSpPr>
+            <p:cNvPr id="102" name="Freeform 32">
+              <a:extLst>
+                <a:ext uri="{FF2B5EF4-FFF2-40B4-BE49-F238E27FC236}">
+                  <a16:creationId xmlns:a16="http://schemas.microsoft.com/office/drawing/2014/main" id="{4672D07E-DF49-4931-B4B7-AC8961F421C5}"/>
+                </a:ext>
+              </a:extLst>
+            </p:cNvPr>
+            <p:cNvSpPr>
+              <a:spLocks/>
+            </p:cNvSpPr>
+            <p:nvPr/>
+          </p:nvSpPr>
+          <p:spPr bwMode="auto">
+            <a:xfrm rot="3215190">
+              <a:off x="9349267" y="3489031"/>
+              <a:ext cx="123343" cy="193674"/>
+            </a:xfrm>
+            <a:custGeom>
+              <a:avLst/>
+              <a:gdLst>
+                <a:gd name="T0" fmla="*/ 1 w 277"/>
+                <a:gd name="T1" fmla="*/ 0 h 517"/>
+                <a:gd name="T2" fmla="*/ 1 w 277"/>
+                <a:gd name="T3" fmla="*/ 0 h 517"/>
+                <a:gd name="T4" fmla="*/ 1 w 277"/>
+                <a:gd name="T5" fmla="*/ 1 h 517"/>
+                <a:gd name="T6" fmla="*/ 1 w 277"/>
+                <a:gd name="T7" fmla="*/ 1 h 517"/>
+                <a:gd name="T8" fmla="*/ 1 w 277"/>
+                <a:gd name="T9" fmla="*/ 1 h 517"/>
+                <a:gd name="T10" fmla="*/ 1 w 277"/>
+                <a:gd name="T11" fmla="*/ 1 h 517"/>
+                <a:gd name="T12" fmla="*/ 1 w 277"/>
+                <a:gd name="T13" fmla="*/ 1 h 517"/>
+                <a:gd name="T14" fmla="*/ 1 w 277"/>
+                <a:gd name="T15" fmla="*/ 1 h 517"/>
+                <a:gd name="T16" fmla="*/ 0 w 277"/>
+                <a:gd name="T17" fmla="*/ 1 h 517"/>
+                <a:gd name="T18" fmla="*/ 0 w 277"/>
+                <a:gd name="T19" fmla="*/ 1 h 517"/>
+                <a:gd name="T20" fmla="*/ 1 w 277"/>
+                <a:gd name="T21" fmla="*/ 1 h 517"/>
+                <a:gd name="T22" fmla="*/ 1 w 277"/>
+                <a:gd name="T23" fmla="*/ 1 h 517"/>
+                <a:gd name="T24" fmla="*/ 1 w 277"/>
+                <a:gd name="T25" fmla="*/ 0 h 517"/>
+                <a:gd name="T26" fmla="*/ 0 60000 65536"/>
+                <a:gd name="T27" fmla="*/ 0 60000 65536"/>
+                <a:gd name="T28" fmla="*/ 0 60000 65536"/>
+                <a:gd name="T29" fmla="*/ 0 60000 65536"/>
+                <a:gd name="T30" fmla="*/ 0 60000 65536"/>
+                <a:gd name="T31" fmla="*/ 0 60000 65536"/>
+                <a:gd name="T32" fmla="*/ 0 60000 65536"/>
+                <a:gd name="T33" fmla="*/ 0 60000 65536"/>
+                <a:gd name="T34" fmla="*/ 0 60000 65536"/>
+                <a:gd name="T35" fmla="*/ 0 60000 65536"/>
+                <a:gd name="T36" fmla="*/ 0 60000 65536"/>
+                <a:gd name="T37" fmla="*/ 0 60000 65536"/>
+                <a:gd name="T38" fmla="*/ 0 60000 65536"/>
+                <a:gd name="T39" fmla="*/ 0 w 277"/>
+                <a:gd name="T40" fmla="*/ 0 h 517"/>
+                <a:gd name="T41" fmla="*/ 277 w 277"/>
+                <a:gd name="T42" fmla="*/ 517 h 517"/>
+              </a:gdLst>
+              <a:ahLst/>
+              <a:cxnLst>
+                <a:cxn ang="T26">
+                  <a:pos x="T0" y="T1"/>
+                </a:cxn>
+                <a:cxn ang="T27">
+                  <a:pos x="T2" y="T3"/>
+                </a:cxn>
+                <a:cxn ang="T28">
+                  <a:pos x="T4" y="T5"/>
+                </a:cxn>
+                <a:cxn ang="T29">
+                  <a:pos x="T6" y="T7"/>
+                </a:cxn>
+                <a:cxn ang="T30">
+                  <a:pos x="T8" y="T9"/>
+                </a:cxn>
+                <a:cxn ang="T31">
+                  <a:pos x="T10" y="T11"/>
+                </a:cxn>
+                <a:cxn ang="T32">
+                  <a:pos x="T12" y="T13"/>
+                </a:cxn>
+                <a:cxn ang="T33">
+                  <a:pos x="T14" y="T15"/>
+                </a:cxn>
+                <a:cxn ang="T34">
+                  <a:pos x="T16" y="T17"/>
+                </a:cxn>
+                <a:cxn ang="T35">
+                  <a:pos x="T18" y="T19"/>
+                </a:cxn>
+                <a:cxn ang="T36">
+                  <a:pos x="T20" y="T21"/>
+                </a:cxn>
+                <a:cxn ang="T37">
+                  <a:pos x="T22" y="T23"/>
+                </a:cxn>
+                <a:cxn ang="T38">
+                  <a:pos x="T24" y="T25"/>
+                </a:cxn>
+              </a:cxnLst>
+              <a:rect l="T39" t="T40" r="T41" b="T42"/>
+              <a:pathLst>
+                <a:path w="277" h="517">
+                  <a:moveTo>
+                    <a:pt x="89" y="0"/>
+                  </a:moveTo>
+                  <a:lnTo>
+                    <a:pt x="191" y="0"/>
+                  </a:lnTo>
+                  <a:lnTo>
+                    <a:pt x="191" y="105"/>
+                  </a:lnTo>
+                  <a:lnTo>
+                    <a:pt x="225" y="105"/>
+                  </a:lnTo>
+                  <a:lnTo>
+                    <a:pt x="276" y="139"/>
+                  </a:lnTo>
+                  <a:lnTo>
+                    <a:pt x="276" y="415"/>
+                  </a:lnTo>
+                  <a:lnTo>
+                    <a:pt x="225" y="516"/>
+                  </a:lnTo>
+                  <a:lnTo>
+                    <a:pt x="51" y="516"/>
+                  </a:lnTo>
+                  <a:lnTo>
+                    <a:pt x="0" y="415"/>
+                  </a:lnTo>
+                  <a:lnTo>
+                    <a:pt x="0" y="139"/>
+                  </a:lnTo>
+                  <a:lnTo>
+                    <a:pt x="51" y="105"/>
+                  </a:lnTo>
+                  <a:lnTo>
+                    <a:pt x="89" y="105"/>
+                  </a:lnTo>
+                  <a:lnTo>
+                    <a:pt x="89" y="0"/>
+                  </a:lnTo>
+                </a:path>
+              </a:pathLst>
+            </a:custGeom>
+            <a:solidFill>
+              <a:srgbClr val="FFCC99"/>
+            </a:solidFill>
+            <a:ln w="12700" cap="rnd">
+              <a:solidFill>
+                <a:schemeClr val="tx1"/>
+              </a:solidFill>
+              <a:round/>
+              <a:headEnd/>
+              <a:tailEnd/>
+            </a:ln>
+          </p:spPr>
+          <p:txBody>
+            <a:bodyPr/>
+            <a:lstStyle/>
+            <a:p>
+              <a:endParaRPr lang="en-US"/>
+            </a:p>
+          </p:txBody>
+        </p:sp>
+        <p:sp>
+          <p:nvSpPr>
+            <p:cNvPr id="103" name="Freeform 32">
+              <a:extLst>
+                <a:ext uri="{FF2B5EF4-FFF2-40B4-BE49-F238E27FC236}">
+                  <a16:creationId xmlns:a16="http://schemas.microsoft.com/office/drawing/2014/main" id="{B96F4019-947A-4846-BE23-B24FC923CC88}"/>
+                </a:ext>
+              </a:extLst>
+            </p:cNvPr>
+            <p:cNvSpPr>
+              <a:spLocks/>
+            </p:cNvSpPr>
+            <p:nvPr/>
+          </p:nvSpPr>
+          <p:spPr bwMode="auto">
+            <a:xfrm rot="19003436">
+              <a:off x="9377089" y="3700673"/>
+              <a:ext cx="123343" cy="193674"/>
+            </a:xfrm>
+            <a:custGeom>
+              <a:avLst/>
+              <a:gdLst>
+                <a:gd name="T0" fmla="*/ 1 w 277"/>
+                <a:gd name="T1" fmla="*/ 0 h 517"/>
+                <a:gd name="T2" fmla="*/ 1 w 277"/>
+                <a:gd name="T3" fmla="*/ 0 h 517"/>
+                <a:gd name="T4" fmla="*/ 1 w 277"/>
+                <a:gd name="T5" fmla="*/ 1 h 517"/>
+                <a:gd name="T6" fmla="*/ 1 w 277"/>
+                <a:gd name="T7" fmla="*/ 1 h 517"/>
+                <a:gd name="T8" fmla="*/ 1 w 277"/>
+                <a:gd name="T9" fmla="*/ 1 h 517"/>
+                <a:gd name="T10" fmla="*/ 1 w 277"/>
+                <a:gd name="T11" fmla="*/ 1 h 517"/>
+                <a:gd name="T12" fmla="*/ 1 w 277"/>
+                <a:gd name="T13" fmla="*/ 1 h 517"/>
+                <a:gd name="T14" fmla="*/ 1 w 277"/>
+                <a:gd name="T15" fmla="*/ 1 h 517"/>
+                <a:gd name="T16" fmla="*/ 0 w 277"/>
+                <a:gd name="T17" fmla="*/ 1 h 517"/>
+                <a:gd name="T18" fmla="*/ 0 w 277"/>
+                <a:gd name="T19" fmla="*/ 1 h 517"/>
+                <a:gd name="T20" fmla="*/ 1 w 277"/>
+                <a:gd name="T21" fmla="*/ 1 h 517"/>
+                <a:gd name="T22" fmla="*/ 1 w 277"/>
+                <a:gd name="T23" fmla="*/ 1 h 517"/>
+                <a:gd name="T24" fmla="*/ 1 w 277"/>
+                <a:gd name="T25" fmla="*/ 0 h 517"/>
+                <a:gd name="T26" fmla="*/ 0 60000 65536"/>
+                <a:gd name="T27" fmla="*/ 0 60000 65536"/>
+                <a:gd name="T28" fmla="*/ 0 60000 65536"/>
+                <a:gd name="T29" fmla="*/ 0 60000 65536"/>
+                <a:gd name="T30" fmla="*/ 0 60000 65536"/>
+                <a:gd name="T31" fmla="*/ 0 60000 65536"/>
+                <a:gd name="T32" fmla="*/ 0 60000 65536"/>
+                <a:gd name="T33" fmla="*/ 0 60000 65536"/>
+                <a:gd name="T34" fmla="*/ 0 60000 65536"/>
+                <a:gd name="T35" fmla="*/ 0 60000 65536"/>
+                <a:gd name="T36" fmla="*/ 0 60000 65536"/>
+                <a:gd name="T37" fmla="*/ 0 60000 65536"/>
+                <a:gd name="T38" fmla="*/ 0 60000 65536"/>
+                <a:gd name="T39" fmla="*/ 0 w 277"/>
+                <a:gd name="T40" fmla="*/ 0 h 517"/>
+                <a:gd name="T41" fmla="*/ 277 w 277"/>
+                <a:gd name="T42" fmla="*/ 517 h 517"/>
+              </a:gdLst>
+              <a:ahLst/>
+              <a:cxnLst>
+                <a:cxn ang="T26">
+                  <a:pos x="T0" y="T1"/>
+                </a:cxn>
+                <a:cxn ang="T27">
+                  <a:pos x="T2" y="T3"/>
+                </a:cxn>
+                <a:cxn ang="T28">
+                  <a:pos x="T4" y="T5"/>
+                </a:cxn>
+                <a:cxn ang="T29">
+                  <a:pos x="T6" y="T7"/>
+                </a:cxn>
+                <a:cxn ang="T30">
+                  <a:pos x="T8" y="T9"/>
+                </a:cxn>
+                <a:cxn ang="T31">
+                  <a:pos x="T10" y="T11"/>
+                </a:cxn>
+                <a:cxn ang="T32">
+                  <a:pos x="T12" y="T13"/>
+                </a:cxn>
+                <a:cxn ang="T33">
+                  <a:pos x="T14" y="T15"/>
+                </a:cxn>
+                <a:cxn ang="T34">
+                  <a:pos x="T16" y="T17"/>
+                </a:cxn>
+                <a:cxn ang="T35">
+                  <a:pos x="T18" y="T19"/>
+                </a:cxn>
+                <a:cxn ang="T36">
+                  <a:pos x="T20" y="T21"/>
+                </a:cxn>
+                <a:cxn ang="T37">
+                  <a:pos x="T22" y="T23"/>
+                </a:cxn>
+                <a:cxn ang="T38">
+                  <a:pos x="T24" y="T25"/>
+                </a:cxn>
+              </a:cxnLst>
+              <a:rect l="T39" t="T40" r="T41" b="T42"/>
+              <a:pathLst>
+                <a:path w="277" h="517">
+                  <a:moveTo>
+                    <a:pt x="89" y="0"/>
+                  </a:moveTo>
+                  <a:lnTo>
+                    <a:pt x="191" y="0"/>
+                  </a:lnTo>
+                  <a:lnTo>
+                    <a:pt x="191" y="105"/>
+                  </a:lnTo>
+                  <a:lnTo>
+                    <a:pt x="225" y="105"/>
+                  </a:lnTo>
+                  <a:lnTo>
+                    <a:pt x="276" y="139"/>
+                  </a:lnTo>
+                  <a:lnTo>
+                    <a:pt x="276" y="415"/>
+                  </a:lnTo>
+                  <a:lnTo>
+                    <a:pt x="225" y="516"/>
+                  </a:lnTo>
+                  <a:lnTo>
+                    <a:pt x="51" y="516"/>
+                  </a:lnTo>
+                  <a:lnTo>
+                    <a:pt x="0" y="415"/>
+                  </a:lnTo>
+                  <a:lnTo>
+                    <a:pt x="0" y="139"/>
+                  </a:lnTo>
+                  <a:lnTo>
+                    <a:pt x="51" y="105"/>
+                  </a:lnTo>
+                  <a:lnTo>
+                    <a:pt x="89" y="105"/>
+                  </a:lnTo>
+                  <a:lnTo>
+                    <a:pt x="89" y="0"/>
+                  </a:lnTo>
+                </a:path>
+              </a:pathLst>
+            </a:custGeom>
+            <a:solidFill>
+              <a:srgbClr val="FFCC99"/>
+            </a:solidFill>
+            <a:ln w="12700" cap="rnd">
+              <a:solidFill>
+                <a:schemeClr val="tx1"/>
+              </a:solidFill>
+              <a:round/>
+              <a:headEnd/>
+              <a:tailEnd/>
+            </a:ln>
+          </p:spPr>
+          <p:txBody>
+            <a:bodyPr/>
+            <a:lstStyle/>
+            <a:p>
+              <a:endParaRPr lang="en-US"/>
+            </a:p>
+          </p:txBody>
+        </p:sp>
+      </p:grpSp>
+      <p:sp>
+        <p:nvSpPr>
+          <p:cNvPr id="107" name="TextBox 106">
+            <a:extLst>
+              <a:ext uri="{FF2B5EF4-FFF2-40B4-BE49-F238E27FC236}">
+                <a16:creationId xmlns:a16="http://schemas.microsoft.com/office/drawing/2014/main" id="{C5EDDBBF-B53E-4742-97AB-EBB09D6F3AF4}"/>
+              </a:ext>
+            </a:extLst>
+          </p:cNvPr>
+          <p:cNvSpPr txBox="1"/>
+          <p:nvPr/>
+        </p:nvSpPr>
+        <p:spPr>
+          <a:xfrm>
+            <a:off x="1570896" y="3855345"/>
+            <a:ext cx="533400" cy="369332"/>
+          </a:xfrm>
+          <a:prstGeom prst="rect">
+            <a:avLst/>
+          </a:prstGeom>
+          <a:noFill/>
+        </p:spPr>
+        <p:txBody>
+          <a:bodyPr wrap="square" rtlCol="0">
+            <a:spAutoFit/>
+          </a:bodyPr>
+          <a:lstStyle/>
+          <a:p>
+            <a:r>
+              <a:rPr lang="en-US" b="1" dirty="0"/>
+              <a:t>T1</a:t>
+            </a:r>
+          </a:p>
+        </p:txBody>
+      </p:sp>
+      <p:sp>
+        <p:nvSpPr>
+          <p:cNvPr id="108" name="TextBox 107">
+            <a:extLst>
+              <a:ext uri="{FF2B5EF4-FFF2-40B4-BE49-F238E27FC236}">
+                <a16:creationId xmlns:a16="http://schemas.microsoft.com/office/drawing/2014/main" id="{B01E927A-A1B4-4F4D-B37A-0D897A50690B}"/>
+              </a:ext>
+            </a:extLst>
+          </p:cNvPr>
+          <p:cNvSpPr txBox="1"/>
+          <p:nvPr/>
+        </p:nvSpPr>
+        <p:spPr>
+          <a:xfrm>
+            <a:off x="1533379" y="4157368"/>
+            <a:ext cx="533400" cy="369332"/>
+          </a:xfrm>
+          <a:prstGeom prst="rect">
+            <a:avLst/>
+          </a:prstGeom>
+          <a:noFill/>
+        </p:spPr>
+        <p:txBody>
+          <a:bodyPr wrap="square" rtlCol="0">
+            <a:spAutoFit/>
+          </a:bodyPr>
+          <a:lstStyle/>
+          <a:p>
+            <a:r>
+              <a:rPr lang="en-US" b="1" dirty="0"/>
+              <a:t>T2</a:t>
+            </a:r>
+          </a:p>
+        </p:txBody>
+      </p:sp>
+      <p:sp>
+        <p:nvSpPr>
+          <p:cNvPr id="109" name="TextBox 108">
+            <a:extLst>
+              <a:ext uri="{FF2B5EF4-FFF2-40B4-BE49-F238E27FC236}">
+                <a16:creationId xmlns:a16="http://schemas.microsoft.com/office/drawing/2014/main" id="{B3F51FFC-6652-40EA-AB40-6B159F22C720}"/>
+              </a:ext>
+            </a:extLst>
+          </p:cNvPr>
+          <p:cNvSpPr txBox="1"/>
+          <p:nvPr/>
+        </p:nvSpPr>
+        <p:spPr>
+          <a:xfrm>
+            <a:off x="3007299" y="3670679"/>
+            <a:ext cx="533400" cy="369332"/>
+          </a:xfrm>
+          <a:prstGeom prst="rect">
+            <a:avLst/>
+          </a:prstGeom>
+          <a:noFill/>
+        </p:spPr>
+        <p:txBody>
+          <a:bodyPr wrap="square" rtlCol="0">
+            <a:spAutoFit/>
+          </a:bodyPr>
+          <a:lstStyle/>
+          <a:p>
+            <a:r>
+              <a:rPr lang="en-US" b="1" dirty="0"/>
+              <a:t>T3</a:t>
+            </a:r>
+          </a:p>
+        </p:txBody>
+      </p:sp>
+      <p:sp>
+        <p:nvSpPr>
+          <p:cNvPr id="110" name="TextBox 109">
+            <a:extLst>
+              <a:ext uri="{FF2B5EF4-FFF2-40B4-BE49-F238E27FC236}">
+                <a16:creationId xmlns:a16="http://schemas.microsoft.com/office/drawing/2014/main" id="{9595566D-0BAE-4B7C-A7B4-36DE336E01B0}"/>
+              </a:ext>
+            </a:extLst>
+          </p:cNvPr>
+          <p:cNvSpPr txBox="1"/>
+          <p:nvPr/>
+        </p:nvSpPr>
+        <p:spPr>
+          <a:xfrm>
+            <a:off x="4816689" y="3750709"/>
+            <a:ext cx="533400" cy="369332"/>
+          </a:xfrm>
+          <a:prstGeom prst="rect">
+            <a:avLst/>
+          </a:prstGeom>
+          <a:noFill/>
+        </p:spPr>
+        <p:txBody>
+          <a:bodyPr wrap="square" rtlCol="0">
+            <a:spAutoFit/>
+          </a:bodyPr>
+          <a:lstStyle/>
+          <a:p>
+            <a:r>
+              <a:rPr lang="en-US" b="1" dirty="0"/>
+              <a:t>T4</a:t>
+            </a:r>
+          </a:p>
+        </p:txBody>
+      </p:sp>
+      <p:sp>
+        <p:nvSpPr>
+          <p:cNvPr id="111" name="TextBox 110">
+            <a:extLst>
+              <a:ext uri="{FF2B5EF4-FFF2-40B4-BE49-F238E27FC236}">
+                <a16:creationId xmlns:a16="http://schemas.microsoft.com/office/drawing/2014/main" id="{809C36EC-B87D-4746-B068-1F0CF7377ABE}"/>
+              </a:ext>
+            </a:extLst>
+          </p:cNvPr>
+          <p:cNvSpPr txBox="1"/>
+          <p:nvPr/>
+        </p:nvSpPr>
+        <p:spPr>
+          <a:xfrm>
+            <a:off x="4803684" y="4091052"/>
+            <a:ext cx="533400" cy="369332"/>
+          </a:xfrm>
+          <a:prstGeom prst="rect">
+            <a:avLst/>
+          </a:prstGeom>
+          <a:noFill/>
+        </p:spPr>
+        <p:txBody>
+          <a:bodyPr wrap="square" rtlCol="0">
+            <a:spAutoFit/>
+          </a:bodyPr>
+          <a:lstStyle/>
+          <a:p>
+            <a:r>
+              <a:rPr lang="en-US" b="1" dirty="0"/>
+              <a:t>T5</a:t>
+            </a:r>
+          </a:p>
+        </p:txBody>
+      </p:sp>
     </p:spTree>
   </p:cSld>
   <p:clrMapOvr>

--- a/Outlaw/Standards Gives Me a Bad Feeling.pptx
+++ b/Outlaw/Standards Gives Me a Bad Feeling.pptx
@@ -335,7 +335,7 @@
               <a:pPr>
                 <a:defRPr/>
               </a:pPr>
-              <a:t>30.09.2019</a:t>
+              <a:t>04.10.2019</a:t>
             </a:fld>
             <a:endParaRPr lang="en-US"/>
           </a:p>
@@ -4232,7 +4232,7 @@
           <p:nvPr>
             <p:extLst>
               <p:ext uri="{D42A27DB-BD31-4B8C-83A1-F6EECF244321}">
-                <p14:modId xmlns:p14="http://schemas.microsoft.com/office/powerpoint/2010/main" val="3127448598"/>
+                <p14:modId xmlns:p14="http://schemas.microsoft.com/office/powerpoint/2010/main" val="2464288132"/>
               </p:ext>
             </p:extLst>
           </p:nvPr>
@@ -4884,7 +4884,7 @@
                           <a:ea typeface="ＭＳ Ｐゴシック" pitchFamily="-112" charset="-128"/>
                           <a:cs typeface="Times New Roman" pitchFamily="-112" charset="0"/>
                         </a:rPr>
-                        <a:t>SCORING:                Unlimited</a:t>
+                        <a:t>SCORING:                Limited</a:t>
                       </a:r>
                     </a:p>
                     <a:p>
@@ -4918,7 +4918,7 @@
                           <a:ea typeface="ＭＳ Ｐゴシック" pitchFamily="-112" charset="-128"/>
                           <a:cs typeface="Times New Roman" pitchFamily="-112" charset="0"/>
                         </a:rPr>
-                        <a:t>SCORED HITS:        Best 5</a:t>
+                        <a:t>SCORED HITS:        5</a:t>
                       </a:r>
                     </a:p>
                     <a:p>
@@ -5017,22 +5017,7 @@
                           <a:ea typeface="ＭＳ Ｐゴシック" pitchFamily="-112" charset="-128"/>
                           <a:cs typeface="Times New Roman" pitchFamily="-112" charset="0"/>
                         </a:rPr>
-                        <a:t>START-STOP:          Audible - </a:t>
-                      </a:r>
-                      <a:r>
-                        <a:rPr kumimoji="0" lang="en-US" sz="1100" b="1" i="0" u="none" strike="noStrike" cap="none" normalizeH="0" baseline="0">
-                          <a:ln>
-                            <a:noFill/>
-                          </a:ln>
-                          <a:solidFill>
-                            <a:schemeClr val="tx1"/>
-                          </a:solidFill>
-                          <a:effectLst/>
-                          <a:latin typeface="Arial" charset="0"/>
-                          <a:ea typeface="ＭＳ Ｐゴシック" pitchFamily="-112" charset="-128"/>
-                          <a:cs typeface="Times New Roman" pitchFamily="-112" charset="0"/>
-                        </a:rPr>
-                        <a:t>Last shot</a:t>
+                        <a:t>START-STOP:          Audible - Last shot</a:t>
                       </a:r>
                     </a:p>
                     <a:p>
@@ -5053,21 +5038,6 @@
                         <a:tabLst/>
                       </a:pPr>
                       <a:r>
-                        <a:rPr kumimoji="0" lang="en-US" sz="1100" b="1" i="0" u="none" strike="noStrike" cap="none" normalizeH="0" baseline="0">
-                          <a:ln>
-                            <a:noFill/>
-                          </a:ln>
-                          <a:solidFill>
-                            <a:schemeClr val="tx1"/>
-                          </a:solidFill>
-                          <a:effectLst/>
-                          <a:latin typeface="Arial" charset="0"/>
-                          <a:ea typeface="ＭＳ Ｐゴシック" pitchFamily="-112" charset="-128"/>
-                          <a:cs typeface="Times New Roman" pitchFamily="-112" charset="0"/>
-                        </a:rPr>
-                        <a:t>Muzzle </a:t>
-                      </a:r>
-                      <a:r>
                         <a:rPr kumimoji="0" lang="en-US" sz="1100" b="1" i="0" u="none" strike="noStrike" cap="none" normalizeH="0" baseline="0" dirty="0">
                           <a:ln>
                             <a:noFill/>
@@ -5080,7 +5050,7 @@
                           <a:ea typeface="ＭＳ Ｐゴシック" pitchFamily="-112" charset="-128"/>
                           <a:cs typeface="Times New Roman" pitchFamily="-112" charset="0"/>
                         </a:rPr>
-                        <a:t>Safe Points: 180 degree rule</a:t>
+                        <a:t>Muzzle Safe Points: 180 degree rule</a:t>
                       </a:r>
                     </a:p>
                   </a:txBody>
@@ -5198,7 +5168,7 @@
                           <a:ea typeface="ＭＳ Ｐゴシック" pitchFamily="-112" charset="-128"/>
                           <a:cs typeface="Times New Roman" pitchFamily="-112" charset="0"/>
                         </a:rPr>
-                        <a:t>At the start signal, engage T1-T5 from each box with at least one shot.</a:t>
+                        <a:t>At the start signal, engage T1-T5 from each box with only one shot..</a:t>
                       </a:r>
                     </a:p>
                     <a:p>
